--- a/Budget_Planer.pptx
+++ b/Budget_Planer.pptx
@@ -291,65 +291,12 @@
       </a:defRPr>
     </a:lvl9pPr>
   </p:defaultTextStyle>
+  <p:extLst>
+    <p:ext uri="{EFAFB233-063F-42B5-8137-9DF3F51BA10A}">
+      <p15:sldGuideLst xmlns:p15="http://schemas.microsoft.com/office/powerpoint/2012/main"/>
+    </p:ext>
+  </p:extLst>
 </p:presentation>
-</file>
-
-<file path=ppt/ink/ink1.xml><?xml version="1.0" encoding="utf-8"?>
-<inkml:ink xmlns:inkml="http://www.w3.org/2003/InkML">
-  <inkml:definitions>
-    <inkml:context xml:id="ctx0">
-      <inkml:inkSource xml:id="inkSrc0">
-        <inkml:traceFormat>
-          <inkml:channel name="X" type="integer" min="-2.14748E9" max="2.14748E9" units="cm"/>
-          <inkml:channel name="Y" type="integer" min="-2.14748E9" max="2.14748E9" units="cm"/>
-        </inkml:traceFormat>
-        <inkml:channelProperties>
-          <inkml:channelProperty channel="X" name="resolution" value="1000" units="1/cm"/>
-          <inkml:channelProperty channel="Y" name="resolution" value="1000" units="1/cm"/>
-        </inkml:channelProperties>
-      </inkml:inkSource>
-      <inkml:timestamp xml:id="ts0" timeString="2025-03-31T20:30:10.146"/>
-    </inkml:context>
-    <inkml:brush xml:id="br0">
-      <inkml:brushProperty name="width" value="0.3" units="cm"/>
-      <inkml:brushProperty name="height" value="0.6" units="cm"/>
-      <inkml:brushProperty name="color" value="#FFFC00"/>
-      <inkml:brushProperty name="tip" value="rectangle"/>
-      <inkml:brushProperty name="rasterOp" value="maskPen"/>
-      <inkml:brushProperty name="ignorePressure" value="1"/>
-    </inkml:brush>
-  </inkml:definitions>
-  <inkml:trace contextRef="#ctx0" brushRef="#br0">1 0,'720'0,"-700"1,0 1,25 6,39 3,-39-10,85 13,-103-11,1-1,29-1,-48-1,9-1</inkml:trace>
-</inkml:ink>
-</file>
-
-<file path=ppt/ink/ink2.xml><?xml version="1.0" encoding="utf-8"?>
-<inkml:ink xmlns:inkml="http://www.w3.org/2003/InkML">
-  <inkml:definitions>
-    <inkml:context xml:id="ctx0">
-      <inkml:inkSource xml:id="inkSrc0">
-        <inkml:traceFormat>
-          <inkml:channel name="X" type="integer" min="-2.14748E9" max="2.14748E9" units="cm"/>
-          <inkml:channel name="Y" type="integer" min="-2.14748E9" max="2.14748E9" units="cm"/>
-        </inkml:traceFormat>
-        <inkml:channelProperties>
-          <inkml:channelProperty channel="X" name="resolution" value="1000" units="1/cm"/>
-          <inkml:channelProperty channel="Y" name="resolution" value="1000" units="1/cm"/>
-        </inkml:channelProperties>
-      </inkml:inkSource>
-      <inkml:timestamp xml:id="ts0" timeString="2025-03-31T20:30:17.698"/>
-    </inkml:context>
-    <inkml:brush xml:id="br0">
-      <inkml:brushProperty name="width" value="0.3" units="cm"/>
-      <inkml:brushProperty name="height" value="0.6" units="cm"/>
-      <inkml:brushProperty name="color" value="#FFFC00"/>
-      <inkml:brushProperty name="tip" value="rectangle"/>
-      <inkml:brushProperty name="rasterOp" value="maskPen"/>
-      <inkml:brushProperty name="ignorePressure" value="1"/>
-    </inkml:brush>
-  </inkml:definitions>
-  <inkml:trace contextRef="#ctx0" brushRef="#br0">0 64,'29'-1,"47"-9,-48 5,51-1,367 7,-427-2,1-1,25-6,39-3,78 14,121-6,-207-6,-44 4,51-2,-20 8,-45-1</inkml:trace>
-</inkml:ink>
 </file>
 
 <file path=ppt/notesMasters/notesMaster1.xml><?xml version="1.0" encoding="utf-8"?>
@@ -13226,108 +13173,6 @@
           </a:p>
         </p:txBody>
       </p:sp>
-      <mc:AlternateContent xmlns:mc="http://schemas.openxmlformats.org/markup-compatibility/2006">
-        <mc:Choice xmlns:p14="http://schemas.microsoft.com/office/powerpoint/2010/main" Requires="p14">
-          <p:contentPart p14:bwMode="auto" r:id="rId5">
-            <p14:nvContentPartPr>
-              <p14:cNvPr id="10" name="Freihand 9">
-                <a:extLst>
-                  <a:ext uri="{FF2B5EF4-FFF2-40B4-BE49-F238E27FC236}">
-                    <a16:creationId xmlns:a16="http://schemas.microsoft.com/office/drawing/2014/main" id="{2E58970A-9668-9621-1D6C-E39BBD769F0C}"/>
-                  </a:ext>
-                </a:extLst>
-              </p14:cNvPr>
-              <p14:cNvContentPartPr/>
-              <p14:nvPr/>
-            </p14:nvContentPartPr>
-            <p14:xfrm>
-              <a:off x="2179020" y="3146940"/>
-              <a:ext cx="433800" cy="15480"/>
-            </p14:xfrm>
-          </p:contentPart>
-        </mc:Choice>
-        <mc:Fallback>
-          <p:pic>
-            <p:nvPicPr>
-              <p:cNvPr id="10" name="Freihand 9">
-                <a:extLst>
-                  <a:ext uri="{FF2B5EF4-FFF2-40B4-BE49-F238E27FC236}">
-                    <a16:creationId xmlns:a16="http://schemas.microsoft.com/office/drawing/2014/main" id="{2E58970A-9668-9621-1D6C-E39BBD769F0C}"/>
-                  </a:ext>
-                </a:extLst>
-              </p:cNvPr>
-              <p:cNvPicPr/>
-              <p:nvPr/>
-            </p:nvPicPr>
-            <p:blipFill>
-              <a:blip r:embed="rId6"/>
-              <a:stretch>
-                <a:fillRect/>
-              </a:stretch>
-            </p:blipFill>
-            <p:spPr>
-              <a:xfrm>
-                <a:off x="2125380" y="3038940"/>
-                <a:ext cx="541440" cy="231120"/>
-              </a:xfrm>
-              <a:prstGeom prst="rect">
-                <a:avLst/>
-              </a:prstGeom>
-            </p:spPr>
-          </p:pic>
-        </mc:Fallback>
-      </mc:AlternateContent>
-      <mc:AlternateContent xmlns:mc="http://schemas.openxmlformats.org/markup-compatibility/2006">
-        <mc:Choice xmlns:p14="http://schemas.microsoft.com/office/powerpoint/2010/main" Requires="p14">
-          <p:contentPart p14:bwMode="auto" r:id="rId7">
-            <p14:nvContentPartPr>
-              <p14:cNvPr id="11" name="Freihand 10">
-                <a:extLst>
-                  <a:ext uri="{FF2B5EF4-FFF2-40B4-BE49-F238E27FC236}">
-                    <a16:creationId xmlns:a16="http://schemas.microsoft.com/office/drawing/2014/main" id="{C7A0EDDB-37B5-261C-300A-9FCDA4692C51}"/>
-                  </a:ext>
-                </a:extLst>
-              </p14:cNvPr>
-              <p14:cNvContentPartPr/>
-              <p14:nvPr/>
-            </p14:nvContentPartPr>
-            <p14:xfrm>
-              <a:off x="6080700" y="3230460"/>
-              <a:ext cx="555840" cy="23400"/>
-            </p14:xfrm>
-          </p:contentPart>
-        </mc:Choice>
-        <mc:Fallback>
-          <p:pic>
-            <p:nvPicPr>
-              <p:cNvPr id="11" name="Freihand 10">
-                <a:extLst>
-                  <a:ext uri="{FF2B5EF4-FFF2-40B4-BE49-F238E27FC236}">
-                    <a16:creationId xmlns:a16="http://schemas.microsoft.com/office/drawing/2014/main" id="{C7A0EDDB-37B5-261C-300A-9FCDA4692C51}"/>
-                  </a:ext>
-                </a:extLst>
-              </p:cNvPr>
-              <p:cNvPicPr/>
-              <p:nvPr/>
-            </p:nvPicPr>
-            <p:blipFill>
-              <a:blip r:embed="rId8"/>
-              <a:stretch>
-                <a:fillRect/>
-              </a:stretch>
-            </p:blipFill>
-            <p:spPr>
-              <a:xfrm>
-                <a:off x="6026700" y="3122460"/>
-                <a:ext cx="663480" cy="239040"/>
-              </a:xfrm>
-              <a:prstGeom prst="rect">
-                <a:avLst/>
-              </a:prstGeom>
-            </p:spPr>
-          </p:pic>
-        </mc:Fallback>
-      </mc:AlternateContent>
     </p:spTree>
   </p:cSld>
   <p:clrMapOvr>

--- a/Budget_Planer.pptx
+++ b/Budget_Planer.pptx
@@ -5,7 +5,7 @@
     <p:sldMasterId id="2147483703" r:id="rId1"/>
   </p:sldMasterIdLst>
   <p:notesMasterIdLst>
-    <p:notesMasterId r:id="rId33"/>
+    <p:notesMasterId r:id="rId32"/>
   </p:notesMasterIdLst>
   <p:sldIdLst>
     <p:sldId id="256" r:id="rId2"/>
@@ -15,51 +15,50 @@
     <p:sldId id="347" r:id="rId6"/>
     <p:sldId id="348" r:id="rId7"/>
     <p:sldId id="349" r:id="rId8"/>
-    <p:sldId id="350" r:id="rId9"/>
-    <p:sldId id="351" r:id="rId10"/>
-    <p:sldId id="352" r:id="rId11"/>
-    <p:sldId id="353" r:id="rId12"/>
-    <p:sldId id="354" r:id="rId13"/>
-    <p:sldId id="358" r:id="rId14"/>
-    <p:sldId id="355" r:id="rId15"/>
-    <p:sldId id="356" r:id="rId16"/>
-    <p:sldId id="357" r:id="rId17"/>
-    <p:sldId id="359" r:id="rId18"/>
-    <p:sldId id="360" r:id="rId19"/>
-    <p:sldId id="361" r:id="rId20"/>
-    <p:sldId id="362" r:id="rId21"/>
-    <p:sldId id="363" r:id="rId22"/>
-    <p:sldId id="364" r:id="rId23"/>
-    <p:sldId id="367" r:id="rId24"/>
-    <p:sldId id="365" r:id="rId25"/>
-    <p:sldId id="368" r:id="rId26"/>
-    <p:sldId id="369" r:id="rId27"/>
-    <p:sldId id="374" r:id="rId28"/>
-    <p:sldId id="370" r:id="rId29"/>
-    <p:sldId id="371" r:id="rId30"/>
-    <p:sldId id="372" r:id="rId31"/>
-    <p:sldId id="373" r:id="rId32"/>
+    <p:sldId id="351" r:id="rId9"/>
+    <p:sldId id="352" r:id="rId10"/>
+    <p:sldId id="353" r:id="rId11"/>
+    <p:sldId id="354" r:id="rId12"/>
+    <p:sldId id="358" r:id="rId13"/>
+    <p:sldId id="355" r:id="rId14"/>
+    <p:sldId id="356" r:id="rId15"/>
+    <p:sldId id="357" r:id="rId16"/>
+    <p:sldId id="359" r:id="rId17"/>
+    <p:sldId id="360" r:id="rId18"/>
+    <p:sldId id="361" r:id="rId19"/>
+    <p:sldId id="362" r:id="rId20"/>
+    <p:sldId id="363" r:id="rId21"/>
+    <p:sldId id="364" r:id="rId22"/>
+    <p:sldId id="367" r:id="rId23"/>
+    <p:sldId id="365" r:id="rId24"/>
+    <p:sldId id="368" r:id="rId25"/>
+    <p:sldId id="369" r:id="rId26"/>
+    <p:sldId id="374" r:id="rId27"/>
+    <p:sldId id="370" r:id="rId28"/>
+    <p:sldId id="371" r:id="rId29"/>
+    <p:sldId id="372" r:id="rId30"/>
+    <p:sldId id="373" r:id="rId31"/>
   </p:sldIdLst>
   <p:sldSz cx="9144000" cy="5143500" type="screen16x9"/>
   <p:notesSz cx="6858000" cy="9144000"/>
   <p:embeddedFontLst>
     <p:embeddedFont>
       <p:font typeface="Crimson Text" panose="020B0604020202020204" charset="0"/>
-      <p:regular r:id="rId34"/>
-      <p:bold r:id="rId35"/>
-      <p:italic r:id="rId36"/>
-      <p:boldItalic r:id="rId37"/>
+      <p:regular r:id="rId33"/>
+      <p:bold r:id="rId34"/>
+      <p:italic r:id="rId35"/>
+      <p:boldItalic r:id="rId36"/>
     </p:embeddedFont>
     <p:embeddedFont>
       <p:font typeface="Montserrat" panose="00000500000000000000" pitchFamily="2" charset="0"/>
-      <p:regular r:id="rId38"/>
-      <p:bold r:id="rId39"/>
-      <p:italic r:id="rId40"/>
-      <p:boldItalic r:id="rId41"/>
+      <p:regular r:id="rId37"/>
+      <p:bold r:id="rId38"/>
+      <p:italic r:id="rId39"/>
+      <p:boldItalic r:id="rId40"/>
     </p:embeddedFont>
     <p:embeddedFont>
       <p:font typeface="Vidaloka" panose="020B0604020202020204" charset="0"/>
-      <p:regular r:id="rId42"/>
+      <p:regular r:id="rId41"/>
     </p:embeddedFont>
   </p:embeddedFontLst>
   <p:defaultTextStyle>
@@ -852,133 +851,6 @@
         <p:cNvPr id="1" name="Shape 536">
           <a:extLst>
             <a:ext uri="{FF2B5EF4-FFF2-40B4-BE49-F238E27FC236}">
-              <a16:creationId xmlns:a16="http://schemas.microsoft.com/office/drawing/2014/main" id="{30FCEC25-19B7-62B2-AA28-B1ED7B28E714}"/>
-            </a:ext>
-          </a:extLst>
-        </p:cNvPr>
-        <p:cNvGrpSpPr/>
-        <p:nvPr/>
-      </p:nvGrpSpPr>
-      <p:grpSpPr>
-        <a:xfrm>
-          <a:off x="0" y="0"/>
-          <a:ext cx="0" cy="0"/>
-          <a:chOff x="0" y="0"/>
-          <a:chExt cx="0" cy="0"/>
-        </a:xfrm>
-      </p:grpSpPr>
-      <p:sp>
-        <p:nvSpPr>
-          <p:cNvPr id="537" name="Google Shape;537;g105aad17dc0_0_89:notes">
-            <a:extLst>
-              <a:ext uri="{FF2B5EF4-FFF2-40B4-BE49-F238E27FC236}">
-                <a16:creationId xmlns:a16="http://schemas.microsoft.com/office/drawing/2014/main" id="{10C46FCE-C401-FC37-3B94-C0CF928DD989}"/>
-              </a:ext>
-            </a:extLst>
-          </p:cNvPr>
-          <p:cNvSpPr>
-            <a:spLocks noGrp="1" noRot="1" noChangeAspect="1"/>
-          </p:cNvSpPr>
-          <p:nvPr>
-            <p:ph type="sldImg" idx="2"/>
-          </p:nvPr>
-        </p:nvSpPr>
-        <p:spPr>
-          <a:xfrm>
-            <a:off x="381000" y="685800"/>
-            <a:ext cx="6096000" cy="3429000"/>
-          </a:xfrm>
-          <a:custGeom>
-            <a:avLst/>
-            <a:gdLst/>
-            <a:ahLst/>
-            <a:cxnLst/>
-            <a:rect l="l" t="t" r="r" b="b"/>
-            <a:pathLst>
-              <a:path w="120000" h="120000" extrusionOk="0">
-                <a:moveTo>
-                  <a:pt x="0" y="0"/>
-                </a:moveTo>
-                <a:lnTo>
-                  <a:pt x="120000" y="0"/>
-                </a:lnTo>
-                <a:lnTo>
-                  <a:pt x="120000" y="120000"/>
-                </a:lnTo>
-                <a:lnTo>
-                  <a:pt x="0" y="120000"/>
-                </a:lnTo>
-                <a:close/>
-              </a:path>
-            </a:pathLst>
-          </a:custGeom>
-        </p:spPr>
-      </p:sp>
-      <p:sp>
-        <p:nvSpPr>
-          <p:cNvPr id="538" name="Google Shape;538;g105aad17dc0_0_89:notes">
-            <a:extLst>
-              <a:ext uri="{FF2B5EF4-FFF2-40B4-BE49-F238E27FC236}">
-                <a16:creationId xmlns:a16="http://schemas.microsoft.com/office/drawing/2014/main" id="{7575FD8A-E86B-5880-51AD-38C14E647FA2}"/>
-              </a:ext>
-            </a:extLst>
-          </p:cNvPr>
-          <p:cNvSpPr txBox="1">
-            <a:spLocks noGrp="1"/>
-          </p:cNvSpPr>
-          <p:nvPr>
-            <p:ph type="body" idx="1"/>
-          </p:nvPr>
-        </p:nvSpPr>
-        <p:spPr>
-          <a:xfrm>
-            <a:off x="685800" y="4343400"/>
-            <a:ext cx="5486400" cy="4114800"/>
-          </a:xfrm>
-          <a:prstGeom prst="rect">
-            <a:avLst/>
-          </a:prstGeom>
-        </p:spPr>
-        <p:txBody>
-          <a:bodyPr spcFirstLastPara="1" wrap="square" lIns="91425" tIns="91425" rIns="91425" bIns="91425" anchor="t" anchorCtr="0">
-            <a:noAutofit/>
-          </a:bodyPr>
-          <a:lstStyle/>
-          <a:p>
-            <a:pPr marL="0" lvl="0" indent="0" algn="l" rtl="0">
-              <a:spcBef>
-                <a:spcPts val="0"/>
-              </a:spcBef>
-              <a:spcAft>
-                <a:spcPts val="0"/>
-              </a:spcAft>
-              <a:buNone/>
-            </a:pPr>
-            <a:endParaRPr/>
-          </a:p>
-        </p:txBody>
-      </p:sp>
-    </p:spTree>
-    <p:extLst>
-      <p:ext uri="{BB962C8B-B14F-4D97-AF65-F5344CB8AC3E}">
-        <p14:creationId xmlns:p14="http://schemas.microsoft.com/office/powerpoint/2010/main" val="2298532720"/>
-      </p:ext>
-    </p:extLst>
-  </p:cSld>
-  <p:clrMapOvr>
-    <a:masterClrMapping/>
-  </p:clrMapOvr>
-</p:notes>
-</file>
-
-<file path=ppt/notesSlides/notesSlide11.xml><?xml version="1.0" encoding="utf-8"?>
-<p:notes xmlns:a="http://schemas.openxmlformats.org/drawingml/2006/main" xmlns:r="http://schemas.openxmlformats.org/officeDocument/2006/relationships" xmlns:p="http://schemas.openxmlformats.org/presentationml/2006/main" showMasterSp="0" showMasterPhAnim="0">
-  <p:cSld>
-    <p:spTree>
-      <p:nvGrpSpPr>
-        <p:cNvPr id="1" name="Shape 536">
-          <a:extLst>
-            <a:ext uri="{FF2B5EF4-FFF2-40B4-BE49-F238E27FC236}">
               <a16:creationId xmlns:a16="http://schemas.microsoft.com/office/drawing/2014/main" id="{C2F04A85-66A1-A2FB-EA0F-0EFD51489C75}"/>
             </a:ext>
           </a:extLst>
@@ -1098,7 +970,7 @@
 </p:notes>
 </file>
 
-<file path=ppt/notesSlides/notesSlide12.xml><?xml version="1.0" encoding="utf-8"?>
+<file path=ppt/notesSlides/notesSlide11.xml><?xml version="1.0" encoding="utf-8"?>
 <p:notes xmlns:a="http://schemas.openxmlformats.org/drawingml/2006/main" xmlns:r="http://schemas.openxmlformats.org/officeDocument/2006/relationships" xmlns:p="http://schemas.openxmlformats.org/presentationml/2006/main" showMasterSp="0" showMasterPhAnim="0">
   <p:cSld>
     <p:spTree>
@@ -1225,7 +1097,7 @@
 </p:notes>
 </file>
 
-<file path=ppt/notesSlides/notesSlide13.xml><?xml version="1.0" encoding="utf-8"?>
+<file path=ppt/notesSlides/notesSlide12.xml><?xml version="1.0" encoding="utf-8"?>
 <p:notes xmlns:a="http://schemas.openxmlformats.org/drawingml/2006/main" xmlns:r="http://schemas.openxmlformats.org/officeDocument/2006/relationships" xmlns:p="http://schemas.openxmlformats.org/presentationml/2006/main" showMasterSp="0" showMasterPhAnim="0">
   <p:cSld>
     <p:spTree>
@@ -1352,7 +1224,7 @@
 </p:notes>
 </file>
 
-<file path=ppt/notesSlides/notesSlide14.xml><?xml version="1.0" encoding="utf-8"?>
+<file path=ppt/notesSlides/notesSlide13.xml><?xml version="1.0" encoding="utf-8"?>
 <p:notes xmlns:a="http://schemas.openxmlformats.org/drawingml/2006/main" xmlns:r="http://schemas.openxmlformats.org/officeDocument/2006/relationships" xmlns:p="http://schemas.openxmlformats.org/presentationml/2006/main" showMasterSp="0" showMasterPhAnim="0">
   <p:cSld>
     <p:spTree>
@@ -1479,7 +1351,7 @@
 </p:notes>
 </file>
 
-<file path=ppt/notesSlides/notesSlide15.xml><?xml version="1.0" encoding="utf-8"?>
+<file path=ppt/notesSlides/notesSlide14.xml><?xml version="1.0" encoding="utf-8"?>
 <p:notes xmlns:a="http://schemas.openxmlformats.org/drawingml/2006/main" xmlns:r="http://schemas.openxmlformats.org/officeDocument/2006/relationships" xmlns:p="http://schemas.openxmlformats.org/presentationml/2006/main" showMasterSp="0" showMasterPhAnim="0">
   <p:cSld>
     <p:spTree>
@@ -1606,7 +1478,7 @@
 </p:notes>
 </file>
 
-<file path=ppt/notesSlides/notesSlide16.xml><?xml version="1.0" encoding="utf-8"?>
+<file path=ppt/notesSlides/notesSlide15.xml><?xml version="1.0" encoding="utf-8"?>
 <p:notes xmlns:a="http://schemas.openxmlformats.org/drawingml/2006/main" xmlns:r="http://schemas.openxmlformats.org/officeDocument/2006/relationships" xmlns:p="http://schemas.openxmlformats.org/presentationml/2006/main" showMasterSp="0" showMasterPhAnim="0">
   <p:cSld>
     <p:spTree>
@@ -1733,7 +1605,7 @@
 </p:notes>
 </file>
 
-<file path=ppt/notesSlides/notesSlide17.xml><?xml version="1.0" encoding="utf-8"?>
+<file path=ppt/notesSlides/notesSlide16.xml><?xml version="1.0" encoding="utf-8"?>
 <p:notes xmlns:a="http://schemas.openxmlformats.org/drawingml/2006/main" xmlns:r="http://schemas.openxmlformats.org/officeDocument/2006/relationships" xmlns:p="http://schemas.openxmlformats.org/presentationml/2006/main" showMasterSp="0" showMasterPhAnim="0">
   <p:cSld>
     <p:spTree>
@@ -1860,7 +1732,7 @@
 </p:notes>
 </file>
 
-<file path=ppt/notesSlides/notesSlide18.xml><?xml version="1.0" encoding="utf-8"?>
+<file path=ppt/notesSlides/notesSlide17.xml><?xml version="1.0" encoding="utf-8"?>
 <p:notes xmlns:a="http://schemas.openxmlformats.org/drawingml/2006/main" xmlns:r="http://schemas.openxmlformats.org/officeDocument/2006/relationships" xmlns:p="http://schemas.openxmlformats.org/presentationml/2006/main" showMasterSp="0" showMasterPhAnim="0">
   <p:cSld>
     <p:spTree>
@@ -1987,7 +1859,7 @@
 </p:notes>
 </file>
 
-<file path=ppt/notesSlides/notesSlide19.xml><?xml version="1.0" encoding="utf-8"?>
+<file path=ppt/notesSlides/notesSlide18.xml><?xml version="1.0" encoding="utf-8"?>
 <p:notes xmlns:a="http://schemas.openxmlformats.org/drawingml/2006/main" xmlns:r="http://schemas.openxmlformats.org/officeDocument/2006/relationships" xmlns:p="http://schemas.openxmlformats.org/presentationml/2006/main" showMasterSp="0" showMasterPhAnim="0">
   <p:cSld>
     <p:spTree>
@@ -2114,111 +1986,7 @@
 </p:notes>
 </file>
 
-<file path=ppt/notesSlides/notesSlide2.xml><?xml version="1.0" encoding="utf-8"?>
-<p:notes xmlns:a="http://schemas.openxmlformats.org/drawingml/2006/main" xmlns:r="http://schemas.openxmlformats.org/officeDocument/2006/relationships" xmlns:p="http://schemas.openxmlformats.org/presentationml/2006/main" showMasterSp="0" showMasterPhAnim="0">
-  <p:cSld>
-    <p:spTree>
-      <p:nvGrpSpPr>
-        <p:cNvPr id="1" name="Shape 507"/>
-        <p:cNvGrpSpPr/>
-        <p:nvPr/>
-      </p:nvGrpSpPr>
-      <p:grpSpPr>
-        <a:xfrm>
-          <a:off x="0" y="0"/>
-          <a:ext cx="0" cy="0"/>
-          <a:chOff x="0" y="0"/>
-          <a:chExt cx="0" cy="0"/>
-        </a:xfrm>
-      </p:grpSpPr>
-      <p:sp>
-        <p:nvSpPr>
-          <p:cNvPr id="508" name="Google Shape;508;g105aad17dc0_0_2:notes"/>
-          <p:cNvSpPr>
-            <a:spLocks noGrp="1" noRot="1" noChangeAspect="1"/>
-          </p:cNvSpPr>
-          <p:nvPr>
-            <p:ph type="sldImg" idx="2"/>
-          </p:nvPr>
-        </p:nvSpPr>
-        <p:spPr>
-          <a:xfrm>
-            <a:off x="381000" y="685800"/>
-            <a:ext cx="6096000" cy="3429000"/>
-          </a:xfrm>
-          <a:custGeom>
-            <a:avLst/>
-            <a:gdLst/>
-            <a:ahLst/>
-            <a:cxnLst/>
-            <a:rect l="l" t="t" r="r" b="b"/>
-            <a:pathLst>
-              <a:path w="120000" h="120000" extrusionOk="0">
-                <a:moveTo>
-                  <a:pt x="0" y="0"/>
-                </a:moveTo>
-                <a:lnTo>
-                  <a:pt x="120000" y="0"/>
-                </a:lnTo>
-                <a:lnTo>
-                  <a:pt x="120000" y="120000"/>
-                </a:lnTo>
-                <a:lnTo>
-                  <a:pt x="0" y="120000"/>
-                </a:lnTo>
-                <a:close/>
-              </a:path>
-            </a:pathLst>
-          </a:custGeom>
-        </p:spPr>
-      </p:sp>
-      <p:sp>
-        <p:nvSpPr>
-          <p:cNvPr id="509" name="Google Shape;509;g105aad17dc0_0_2:notes"/>
-          <p:cNvSpPr txBox="1">
-            <a:spLocks noGrp="1"/>
-          </p:cNvSpPr>
-          <p:nvPr>
-            <p:ph type="body" idx="1"/>
-          </p:nvPr>
-        </p:nvSpPr>
-        <p:spPr>
-          <a:xfrm>
-            <a:off x="685800" y="4343400"/>
-            <a:ext cx="5486400" cy="4114800"/>
-          </a:xfrm>
-          <a:prstGeom prst="rect">
-            <a:avLst/>
-          </a:prstGeom>
-        </p:spPr>
-        <p:txBody>
-          <a:bodyPr spcFirstLastPara="1" wrap="square" lIns="91425" tIns="91425" rIns="91425" bIns="91425" anchor="t" anchorCtr="0">
-            <a:noAutofit/>
-          </a:bodyPr>
-          <a:lstStyle/>
-          <a:p>
-            <a:pPr marL="0" lvl="0" indent="0" algn="l" rtl="0">
-              <a:spcBef>
-                <a:spcPts val="0"/>
-              </a:spcBef>
-              <a:spcAft>
-                <a:spcPts val="0"/>
-              </a:spcAft>
-              <a:buNone/>
-            </a:pPr>
-            <a:endParaRPr/>
-          </a:p>
-        </p:txBody>
-      </p:sp>
-    </p:spTree>
-  </p:cSld>
-  <p:clrMapOvr>
-    <a:masterClrMapping/>
-  </p:clrMapOvr>
-</p:notes>
-</file>
-
-<file path=ppt/notesSlides/notesSlide20.xml><?xml version="1.0" encoding="utf-8"?>
+<file path=ppt/notesSlides/notesSlide19.xml><?xml version="1.0" encoding="utf-8"?>
 <p:notes xmlns:a="http://schemas.openxmlformats.org/drawingml/2006/main" xmlns:r="http://schemas.openxmlformats.org/officeDocument/2006/relationships" xmlns:p="http://schemas.openxmlformats.org/presentationml/2006/main" showMasterSp="0" showMasterPhAnim="0">
   <p:cSld>
     <p:spTree>
@@ -2345,7 +2113,111 @@
 </p:notes>
 </file>
 
-<file path=ppt/notesSlides/notesSlide21.xml><?xml version="1.0" encoding="utf-8"?>
+<file path=ppt/notesSlides/notesSlide2.xml><?xml version="1.0" encoding="utf-8"?>
+<p:notes xmlns:a="http://schemas.openxmlformats.org/drawingml/2006/main" xmlns:r="http://schemas.openxmlformats.org/officeDocument/2006/relationships" xmlns:p="http://schemas.openxmlformats.org/presentationml/2006/main" showMasterSp="0" showMasterPhAnim="0">
+  <p:cSld>
+    <p:spTree>
+      <p:nvGrpSpPr>
+        <p:cNvPr id="1" name="Shape 507"/>
+        <p:cNvGrpSpPr/>
+        <p:nvPr/>
+      </p:nvGrpSpPr>
+      <p:grpSpPr>
+        <a:xfrm>
+          <a:off x="0" y="0"/>
+          <a:ext cx="0" cy="0"/>
+          <a:chOff x="0" y="0"/>
+          <a:chExt cx="0" cy="0"/>
+        </a:xfrm>
+      </p:grpSpPr>
+      <p:sp>
+        <p:nvSpPr>
+          <p:cNvPr id="508" name="Google Shape;508;g105aad17dc0_0_2:notes"/>
+          <p:cNvSpPr>
+            <a:spLocks noGrp="1" noRot="1" noChangeAspect="1"/>
+          </p:cNvSpPr>
+          <p:nvPr>
+            <p:ph type="sldImg" idx="2"/>
+          </p:nvPr>
+        </p:nvSpPr>
+        <p:spPr>
+          <a:xfrm>
+            <a:off x="381000" y="685800"/>
+            <a:ext cx="6096000" cy="3429000"/>
+          </a:xfrm>
+          <a:custGeom>
+            <a:avLst/>
+            <a:gdLst/>
+            <a:ahLst/>
+            <a:cxnLst/>
+            <a:rect l="l" t="t" r="r" b="b"/>
+            <a:pathLst>
+              <a:path w="120000" h="120000" extrusionOk="0">
+                <a:moveTo>
+                  <a:pt x="0" y="0"/>
+                </a:moveTo>
+                <a:lnTo>
+                  <a:pt x="120000" y="0"/>
+                </a:lnTo>
+                <a:lnTo>
+                  <a:pt x="120000" y="120000"/>
+                </a:lnTo>
+                <a:lnTo>
+                  <a:pt x="0" y="120000"/>
+                </a:lnTo>
+                <a:close/>
+              </a:path>
+            </a:pathLst>
+          </a:custGeom>
+        </p:spPr>
+      </p:sp>
+      <p:sp>
+        <p:nvSpPr>
+          <p:cNvPr id="509" name="Google Shape;509;g105aad17dc0_0_2:notes"/>
+          <p:cNvSpPr txBox="1">
+            <a:spLocks noGrp="1"/>
+          </p:cNvSpPr>
+          <p:nvPr>
+            <p:ph type="body" idx="1"/>
+          </p:nvPr>
+        </p:nvSpPr>
+        <p:spPr>
+          <a:xfrm>
+            <a:off x="685800" y="4343400"/>
+            <a:ext cx="5486400" cy="4114800"/>
+          </a:xfrm>
+          <a:prstGeom prst="rect">
+            <a:avLst/>
+          </a:prstGeom>
+        </p:spPr>
+        <p:txBody>
+          <a:bodyPr spcFirstLastPara="1" wrap="square" lIns="91425" tIns="91425" rIns="91425" bIns="91425" anchor="t" anchorCtr="0">
+            <a:noAutofit/>
+          </a:bodyPr>
+          <a:lstStyle/>
+          <a:p>
+            <a:pPr marL="0" lvl="0" indent="0" algn="l" rtl="0">
+              <a:spcBef>
+                <a:spcPts val="0"/>
+              </a:spcBef>
+              <a:spcAft>
+                <a:spcPts val="0"/>
+              </a:spcAft>
+              <a:buNone/>
+            </a:pPr>
+            <a:endParaRPr/>
+          </a:p>
+        </p:txBody>
+      </p:sp>
+    </p:spTree>
+  </p:cSld>
+  <p:clrMapOvr>
+    <a:masterClrMapping/>
+  </p:clrMapOvr>
+</p:notes>
+</file>
+
+<file path=ppt/notesSlides/notesSlide20.xml><?xml version="1.0" encoding="utf-8"?>
 <p:notes xmlns:a="http://schemas.openxmlformats.org/drawingml/2006/main" xmlns:r="http://schemas.openxmlformats.org/officeDocument/2006/relationships" xmlns:p="http://schemas.openxmlformats.org/presentationml/2006/main" showMasterSp="0" showMasterPhAnim="0">
   <p:cSld>
     <p:spTree>
@@ -2472,7 +2344,7 @@
 </p:notes>
 </file>
 
-<file path=ppt/notesSlides/notesSlide22.xml><?xml version="1.0" encoding="utf-8"?>
+<file path=ppt/notesSlides/notesSlide21.xml><?xml version="1.0" encoding="utf-8"?>
 <p:notes xmlns:a="http://schemas.openxmlformats.org/drawingml/2006/main" xmlns:r="http://schemas.openxmlformats.org/officeDocument/2006/relationships" xmlns:p="http://schemas.openxmlformats.org/presentationml/2006/main" showMasterSp="0" showMasterPhAnim="0">
   <p:cSld>
     <p:spTree>
@@ -2599,7 +2471,7 @@
 </p:notes>
 </file>
 
-<file path=ppt/notesSlides/notesSlide23.xml><?xml version="1.0" encoding="utf-8"?>
+<file path=ppt/notesSlides/notesSlide22.xml><?xml version="1.0" encoding="utf-8"?>
 <p:notes xmlns:a="http://schemas.openxmlformats.org/drawingml/2006/main" xmlns:r="http://schemas.openxmlformats.org/officeDocument/2006/relationships" xmlns:p="http://schemas.openxmlformats.org/presentationml/2006/main" showMasterSp="0" showMasterPhAnim="0">
   <p:cSld>
     <p:spTree>
@@ -2726,7 +2598,7 @@
 </p:notes>
 </file>
 
-<file path=ppt/notesSlides/notesSlide24.xml><?xml version="1.0" encoding="utf-8"?>
+<file path=ppt/notesSlides/notesSlide23.xml><?xml version="1.0" encoding="utf-8"?>
 <p:notes xmlns:a="http://schemas.openxmlformats.org/drawingml/2006/main" xmlns:r="http://schemas.openxmlformats.org/officeDocument/2006/relationships" xmlns:p="http://schemas.openxmlformats.org/presentationml/2006/main" showMasterSp="0" showMasterPhAnim="0">
   <p:cSld>
     <p:spTree>
@@ -2853,7 +2725,7 @@
 </p:notes>
 </file>
 
-<file path=ppt/notesSlides/notesSlide25.xml><?xml version="1.0" encoding="utf-8"?>
+<file path=ppt/notesSlides/notesSlide24.xml><?xml version="1.0" encoding="utf-8"?>
 <p:notes xmlns:a="http://schemas.openxmlformats.org/drawingml/2006/main" xmlns:r="http://schemas.openxmlformats.org/officeDocument/2006/relationships" xmlns:p="http://schemas.openxmlformats.org/presentationml/2006/main" showMasterSp="0" showMasterPhAnim="0">
   <p:cSld>
     <p:spTree>
@@ -2980,7 +2852,7 @@
 </p:notes>
 </file>
 
-<file path=ppt/notesSlides/notesSlide26.xml><?xml version="1.0" encoding="utf-8"?>
+<file path=ppt/notesSlides/notesSlide25.xml><?xml version="1.0" encoding="utf-8"?>
 <p:notes xmlns:a="http://schemas.openxmlformats.org/drawingml/2006/main" xmlns:r="http://schemas.openxmlformats.org/officeDocument/2006/relationships" xmlns:p="http://schemas.openxmlformats.org/presentationml/2006/main" showMasterSp="0" showMasterPhAnim="0">
   <p:cSld>
     <p:spTree>
@@ -3107,7 +2979,7 @@
 </p:notes>
 </file>
 
-<file path=ppt/notesSlides/notesSlide27.xml><?xml version="1.0" encoding="utf-8"?>
+<file path=ppt/notesSlides/notesSlide26.xml><?xml version="1.0" encoding="utf-8"?>
 <p:notes xmlns:a="http://schemas.openxmlformats.org/drawingml/2006/main" xmlns:r="http://schemas.openxmlformats.org/officeDocument/2006/relationships" xmlns:p="http://schemas.openxmlformats.org/presentationml/2006/main" showMasterSp="0" showMasterPhAnim="0">
   <p:cSld>
     <p:spTree>
@@ -3234,7 +3106,7 @@
 </p:notes>
 </file>
 
-<file path=ppt/notesSlides/notesSlide28.xml><?xml version="1.0" encoding="utf-8"?>
+<file path=ppt/notesSlides/notesSlide27.xml><?xml version="1.0" encoding="utf-8"?>
 <p:notes xmlns:a="http://schemas.openxmlformats.org/drawingml/2006/main" xmlns:r="http://schemas.openxmlformats.org/officeDocument/2006/relationships" xmlns:p="http://schemas.openxmlformats.org/presentationml/2006/main" showMasterSp="0" showMasterPhAnim="0">
   <p:cSld>
     <p:spTree>
@@ -3361,7 +3233,7 @@
 </p:notes>
 </file>
 
-<file path=ppt/notesSlides/notesSlide29.xml><?xml version="1.0" encoding="utf-8"?>
+<file path=ppt/notesSlides/notesSlide28.xml><?xml version="1.0" encoding="utf-8"?>
 <p:notes xmlns:a="http://schemas.openxmlformats.org/drawingml/2006/main" xmlns:r="http://schemas.openxmlformats.org/officeDocument/2006/relationships" xmlns:p="http://schemas.openxmlformats.org/presentationml/2006/main" showMasterSp="0" showMasterPhAnim="0">
   <p:cSld>
     <p:spTree>
@@ -3981,133 +3853,6 @@
         <p:cNvPr id="1" name="Shape 536">
           <a:extLst>
             <a:ext uri="{FF2B5EF4-FFF2-40B4-BE49-F238E27FC236}">
-              <a16:creationId xmlns:a16="http://schemas.microsoft.com/office/drawing/2014/main" id="{60E2DA3D-751C-D20B-BB32-127E99228CA7}"/>
-            </a:ext>
-          </a:extLst>
-        </p:cNvPr>
-        <p:cNvGrpSpPr/>
-        <p:nvPr/>
-      </p:nvGrpSpPr>
-      <p:grpSpPr>
-        <a:xfrm>
-          <a:off x="0" y="0"/>
-          <a:ext cx="0" cy="0"/>
-          <a:chOff x="0" y="0"/>
-          <a:chExt cx="0" cy="0"/>
-        </a:xfrm>
-      </p:grpSpPr>
-      <p:sp>
-        <p:nvSpPr>
-          <p:cNvPr id="537" name="Google Shape;537;g105aad17dc0_0_89:notes">
-            <a:extLst>
-              <a:ext uri="{FF2B5EF4-FFF2-40B4-BE49-F238E27FC236}">
-                <a16:creationId xmlns:a16="http://schemas.microsoft.com/office/drawing/2014/main" id="{FC4D4207-9519-92D1-0A74-5B045E485DD0}"/>
-              </a:ext>
-            </a:extLst>
-          </p:cNvPr>
-          <p:cNvSpPr>
-            <a:spLocks noGrp="1" noRot="1" noChangeAspect="1"/>
-          </p:cNvSpPr>
-          <p:nvPr>
-            <p:ph type="sldImg" idx="2"/>
-          </p:nvPr>
-        </p:nvSpPr>
-        <p:spPr>
-          <a:xfrm>
-            <a:off x="381000" y="685800"/>
-            <a:ext cx="6096000" cy="3429000"/>
-          </a:xfrm>
-          <a:custGeom>
-            <a:avLst/>
-            <a:gdLst/>
-            <a:ahLst/>
-            <a:cxnLst/>
-            <a:rect l="l" t="t" r="r" b="b"/>
-            <a:pathLst>
-              <a:path w="120000" h="120000" extrusionOk="0">
-                <a:moveTo>
-                  <a:pt x="0" y="0"/>
-                </a:moveTo>
-                <a:lnTo>
-                  <a:pt x="120000" y="0"/>
-                </a:lnTo>
-                <a:lnTo>
-                  <a:pt x="120000" y="120000"/>
-                </a:lnTo>
-                <a:lnTo>
-                  <a:pt x="0" y="120000"/>
-                </a:lnTo>
-                <a:close/>
-              </a:path>
-            </a:pathLst>
-          </a:custGeom>
-        </p:spPr>
-      </p:sp>
-      <p:sp>
-        <p:nvSpPr>
-          <p:cNvPr id="538" name="Google Shape;538;g105aad17dc0_0_89:notes">
-            <a:extLst>
-              <a:ext uri="{FF2B5EF4-FFF2-40B4-BE49-F238E27FC236}">
-                <a16:creationId xmlns:a16="http://schemas.microsoft.com/office/drawing/2014/main" id="{DA6A29BC-0505-F9E4-3C22-21BEF79D1F1A}"/>
-              </a:ext>
-            </a:extLst>
-          </p:cNvPr>
-          <p:cNvSpPr txBox="1">
-            <a:spLocks noGrp="1"/>
-          </p:cNvSpPr>
-          <p:nvPr>
-            <p:ph type="body" idx="1"/>
-          </p:nvPr>
-        </p:nvSpPr>
-        <p:spPr>
-          <a:xfrm>
-            <a:off x="685800" y="4343400"/>
-            <a:ext cx="5486400" cy="4114800"/>
-          </a:xfrm>
-          <a:prstGeom prst="rect">
-            <a:avLst/>
-          </a:prstGeom>
-        </p:spPr>
-        <p:txBody>
-          <a:bodyPr spcFirstLastPara="1" wrap="square" lIns="91425" tIns="91425" rIns="91425" bIns="91425" anchor="t" anchorCtr="0">
-            <a:noAutofit/>
-          </a:bodyPr>
-          <a:lstStyle/>
-          <a:p>
-            <a:pPr marL="0" lvl="0" indent="0" algn="l" rtl="0">
-              <a:spcBef>
-                <a:spcPts val="0"/>
-              </a:spcBef>
-              <a:spcAft>
-                <a:spcPts val="0"/>
-              </a:spcAft>
-              <a:buNone/>
-            </a:pPr>
-            <a:endParaRPr/>
-          </a:p>
-        </p:txBody>
-      </p:sp>
-    </p:spTree>
-    <p:extLst>
-      <p:ext uri="{BB962C8B-B14F-4D97-AF65-F5344CB8AC3E}">
-        <p14:creationId xmlns:p14="http://schemas.microsoft.com/office/powerpoint/2010/main" val="559107445"/>
-      </p:ext>
-    </p:extLst>
-  </p:cSld>
-  <p:clrMapOvr>
-    <a:masterClrMapping/>
-  </p:clrMapOvr>
-</p:notes>
-</file>
-
-<file path=ppt/notesSlides/notesSlide8.xml><?xml version="1.0" encoding="utf-8"?>
-<p:notes xmlns:a="http://schemas.openxmlformats.org/drawingml/2006/main" xmlns:r="http://schemas.openxmlformats.org/officeDocument/2006/relationships" xmlns:p="http://schemas.openxmlformats.org/presentationml/2006/main" showMasterSp="0" showMasterPhAnim="0">
-  <p:cSld>
-    <p:spTree>
-      <p:nvGrpSpPr>
-        <p:cNvPr id="1" name="Shape 536">
-          <a:extLst>
-            <a:ext uri="{FF2B5EF4-FFF2-40B4-BE49-F238E27FC236}">
               <a16:creationId xmlns:a16="http://schemas.microsoft.com/office/drawing/2014/main" id="{1514A1CD-F691-7DC2-7D5C-47671B37C048}"/>
             </a:ext>
           </a:extLst>
@@ -4227,7 +3972,7 @@
 </p:notes>
 </file>
 
-<file path=ppt/notesSlides/notesSlide9.xml><?xml version="1.0" encoding="utf-8"?>
+<file path=ppt/notesSlides/notesSlide8.xml><?xml version="1.0" encoding="utf-8"?>
 <p:notes xmlns:a="http://schemas.openxmlformats.org/drawingml/2006/main" xmlns:r="http://schemas.openxmlformats.org/officeDocument/2006/relationships" xmlns:p="http://schemas.openxmlformats.org/presentationml/2006/main" showMasterSp="0" showMasterPhAnim="0">
   <p:cSld>
     <p:spTree>
@@ -4345,6 +4090,133 @@
     <p:extLst>
       <p:ext uri="{BB962C8B-B14F-4D97-AF65-F5344CB8AC3E}">
         <p14:creationId xmlns:p14="http://schemas.microsoft.com/office/powerpoint/2010/main" val="184528323"/>
+      </p:ext>
+    </p:extLst>
+  </p:cSld>
+  <p:clrMapOvr>
+    <a:masterClrMapping/>
+  </p:clrMapOvr>
+</p:notes>
+</file>
+
+<file path=ppt/notesSlides/notesSlide9.xml><?xml version="1.0" encoding="utf-8"?>
+<p:notes xmlns:a="http://schemas.openxmlformats.org/drawingml/2006/main" xmlns:r="http://schemas.openxmlformats.org/officeDocument/2006/relationships" xmlns:p="http://schemas.openxmlformats.org/presentationml/2006/main" showMasterSp="0" showMasterPhAnim="0">
+  <p:cSld>
+    <p:spTree>
+      <p:nvGrpSpPr>
+        <p:cNvPr id="1" name="Shape 536">
+          <a:extLst>
+            <a:ext uri="{FF2B5EF4-FFF2-40B4-BE49-F238E27FC236}">
+              <a16:creationId xmlns:a16="http://schemas.microsoft.com/office/drawing/2014/main" id="{30FCEC25-19B7-62B2-AA28-B1ED7B28E714}"/>
+            </a:ext>
+          </a:extLst>
+        </p:cNvPr>
+        <p:cNvGrpSpPr/>
+        <p:nvPr/>
+      </p:nvGrpSpPr>
+      <p:grpSpPr>
+        <a:xfrm>
+          <a:off x="0" y="0"/>
+          <a:ext cx="0" cy="0"/>
+          <a:chOff x="0" y="0"/>
+          <a:chExt cx="0" cy="0"/>
+        </a:xfrm>
+      </p:grpSpPr>
+      <p:sp>
+        <p:nvSpPr>
+          <p:cNvPr id="537" name="Google Shape;537;g105aad17dc0_0_89:notes">
+            <a:extLst>
+              <a:ext uri="{FF2B5EF4-FFF2-40B4-BE49-F238E27FC236}">
+                <a16:creationId xmlns:a16="http://schemas.microsoft.com/office/drawing/2014/main" id="{10C46FCE-C401-FC37-3B94-C0CF928DD989}"/>
+              </a:ext>
+            </a:extLst>
+          </p:cNvPr>
+          <p:cNvSpPr>
+            <a:spLocks noGrp="1" noRot="1" noChangeAspect="1"/>
+          </p:cNvSpPr>
+          <p:nvPr>
+            <p:ph type="sldImg" idx="2"/>
+          </p:nvPr>
+        </p:nvSpPr>
+        <p:spPr>
+          <a:xfrm>
+            <a:off x="381000" y="685800"/>
+            <a:ext cx="6096000" cy="3429000"/>
+          </a:xfrm>
+          <a:custGeom>
+            <a:avLst/>
+            <a:gdLst/>
+            <a:ahLst/>
+            <a:cxnLst/>
+            <a:rect l="l" t="t" r="r" b="b"/>
+            <a:pathLst>
+              <a:path w="120000" h="120000" extrusionOk="0">
+                <a:moveTo>
+                  <a:pt x="0" y="0"/>
+                </a:moveTo>
+                <a:lnTo>
+                  <a:pt x="120000" y="0"/>
+                </a:lnTo>
+                <a:lnTo>
+                  <a:pt x="120000" y="120000"/>
+                </a:lnTo>
+                <a:lnTo>
+                  <a:pt x="0" y="120000"/>
+                </a:lnTo>
+                <a:close/>
+              </a:path>
+            </a:pathLst>
+          </a:custGeom>
+        </p:spPr>
+      </p:sp>
+      <p:sp>
+        <p:nvSpPr>
+          <p:cNvPr id="538" name="Google Shape;538;g105aad17dc0_0_89:notes">
+            <a:extLst>
+              <a:ext uri="{FF2B5EF4-FFF2-40B4-BE49-F238E27FC236}">
+                <a16:creationId xmlns:a16="http://schemas.microsoft.com/office/drawing/2014/main" id="{7575FD8A-E86B-5880-51AD-38C14E647FA2}"/>
+              </a:ext>
+            </a:extLst>
+          </p:cNvPr>
+          <p:cNvSpPr txBox="1">
+            <a:spLocks noGrp="1"/>
+          </p:cNvSpPr>
+          <p:nvPr>
+            <p:ph type="body" idx="1"/>
+          </p:nvPr>
+        </p:nvSpPr>
+        <p:spPr>
+          <a:xfrm>
+            <a:off x="685800" y="4343400"/>
+            <a:ext cx="5486400" cy="4114800"/>
+          </a:xfrm>
+          <a:prstGeom prst="rect">
+            <a:avLst/>
+          </a:prstGeom>
+        </p:spPr>
+        <p:txBody>
+          <a:bodyPr spcFirstLastPara="1" wrap="square" lIns="91425" tIns="91425" rIns="91425" bIns="91425" anchor="t" anchorCtr="0">
+            <a:noAutofit/>
+          </a:bodyPr>
+          <a:lstStyle/>
+          <a:p>
+            <a:pPr marL="0" lvl="0" indent="0" algn="l" rtl="0">
+              <a:spcBef>
+                <a:spcPts val="0"/>
+              </a:spcBef>
+              <a:spcAft>
+                <a:spcPts val="0"/>
+              </a:spcAft>
+              <a:buNone/>
+            </a:pPr>
+            <a:endParaRPr/>
+          </a:p>
+        </p:txBody>
+      </p:sp>
+    </p:spTree>
+    <p:extLst>
+      <p:ext uri="{BB962C8B-B14F-4D97-AF65-F5344CB8AC3E}">
+        <p14:creationId xmlns:p14="http://schemas.microsoft.com/office/powerpoint/2010/main" val="2298532720"/>
       </p:ext>
     </p:extLst>
   </p:cSld>
@@ -9853,124 +9725,6 @@
         <p:cNvPr id="1" name="Shape 539">
           <a:extLst>
             <a:ext uri="{FF2B5EF4-FFF2-40B4-BE49-F238E27FC236}">
-              <a16:creationId xmlns:a16="http://schemas.microsoft.com/office/drawing/2014/main" id="{772BF7D0-6954-F897-8490-2D48145ACFCA}"/>
-            </a:ext>
-          </a:extLst>
-        </p:cNvPr>
-        <p:cNvGrpSpPr/>
-        <p:nvPr/>
-      </p:nvGrpSpPr>
-      <p:grpSpPr>
-        <a:xfrm>
-          <a:off x="0" y="0"/>
-          <a:ext cx="0" cy="0"/>
-          <a:chOff x="0" y="0"/>
-          <a:chExt cx="0" cy="0"/>
-        </a:xfrm>
-      </p:grpSpPr>
-      <p:sp>
-        <p:nvSpPr>
-          <p:cNvPr id="540" name="Google Shape;540;p64">
-            <a:extLst>
-              <a:ext uri="{FF2B5EF4-FFF2-40B4-BE49-F238E27FC236}">
-                <a16:creationId xmlns:a16="http://schemas.microsoft.com/office/drawing/2014/main" id="{0FAEC656-85D8-6741-7287-8C0240F82FC2}"/>
-              </a:ext>
-            </a:extLst>
-          </p:cNvPr>
-          <p:cNvSpPr txBox="1">
-            <a:spLocks noGrp="1"/>
-          </p:cNvSpPr>
-          <p:nvPr>
-            <p:ph type="title"/>
-          </p:nvPr>
-        </p:nvSpPr>
-        <p:spPr>
-          <a:xfrm>
-            <a:off x="775526" y="367764"/>
-            <a:ext cx="6202789" cy="497700"/>
-          </a:xfrm>
-          <a:prstGeom prst="rect">
-            <a:avLst/>
-          </a:prstGeom>
-        </p:spPr>
-        <p:txBody>
-          <a:bodyPr spcFirstLastPara="1" wrap="square" lIns="91425" tIns="91425" rIns="91425" bIns="91425" anchor="t" anchorCtr="0">
-            <a:noAutofit/>
-          </a:bodyPr>
-          <a:lstStyle/>
-          <a:p>
-            <a:pPr marL="0" lvl="0" indent="0" algn="l" rtl="0">
-              <a:spcBef>
-                <a:spcPts val="0"/>
-              </a:spcBef>
-              <a:spcAft>
-                <a:spcPts val="0"/>
-              </a:spcAft>
-              <a:buNone/>
-            </a:pPr>
-            <a:r>
-              <a:rPr lang="de-DE" dirty="0" err="1"/>
-              <a:t>BudgetController</a:t>
-            </a:r>
-            <a:r>
-              <a:rPr lang="de-DE" dirty="0"/>
-              <a:t> (Budget) </a:t>
-            </a:r>
-            <a:endParaRPr dirty="0"/>
-          </a:p>
-        </p:txBody>
-      </p:sp>
-      <p:pic>
-        <p:nvPicPr>
-          <p:cNvPr id="5" name="Grafik 4">
-            <a:extLst>
-              <a:ext uri="{FF2B5EF4-FFF2-40B4-BE49-F238E27FC236}">
-                <a16:creationId xmlns:a16="http://schemas.microsoft.com/office/drawing/2014/main" id="{4A5304A9-4B82-4BDA-FF6D-ADFDA43031D6}"/>
-              </a:ext>
-            </a:extLst>
-          </p:cNvPr>
-          <p:cNvPicPr>
-            <a:picLocks noChangeAspect="1"/>
-          </p:cNvPicPr>
-          <p:nvPr/>
-        </p:nvPicPr>
-        <p:blipFill>
-          <a:blip r:embed="rId3"/>
-          <a:stretch>
-            <a:fillRect/>
-          </a:stretch>
-        </p:blipFill>
-        <p:spPr>
-          <a:xfrm>
-            <a:off x="775527" y="1431994"/>
-            <a:ext cx="7605327" cy="3251486"/>
-          </a:xfrm>
-          <a:prstGeom prst="rect">
-            <a:avLst/>
-          </a:prstGeom>
-        </p:spPr>
-      </p:pic>
-    </p:spTree>
-    <p:extLst>
-      <p:ext uri="{BB962C8B-B14F-4D97-AF65-F5344CB8AC3E}">
-        <p14:creationId xmlns:p14="http://schemas.microsoft.com/office/powerpoint/2010/main" val="1632616854"/>
-      </p:ext>
-    </p:extLst>
-  </p:cSld>
-  <p:clrMapOvr>
-    <a:masterClrMapping/>
-  </p:clrMapOvr>
-</p:sld>
-</file>
-
-<file path=ppt/slides/slide11.xml><?xml version="1.0" encoding="utf-8"?>
-<p:sld xmlns:a="http://schemas.openxmlformats.org/drawingml/2006/main" xmlns:r="http://schemas.openxmlformats.org/officeDocument/2006/relationships" xmlns:p="http://schemas.openxmlformats.org/presentationml/2006/main">
-  <p:cSld>
-    <p:spTree>
-      <p:nvGrpSpPr>
-        <p:cNvPr id="1" name="Shape 539">
-          <a:extLst>
-            <a:ext uri="{FF2B5EF4-FFF2-40B4-BE49-F238E27FC236}">
               <a16:creationId xmlns:a16="http://schemas.microsoft.com/office/drawing/2014/main" id="{2CA68A58-1340-B26E-4A24-78E48D69DACF}"/>
             </a:ext>
           </a:extLst>
@@ -10081,7 +9835,7 @@
 </p:sld>
 </file>
 
-<file path=ppt/slides/slide12.xml><?xml version="1.0" encoding="utf-8"?>
+<file path=ppt/slides/slide11.xml><?xml version="1.0" encoding="utf-8"?>
 <p:sld xmlns:a="http://schemas.openxmlformats.org/drawingml/2006/main" xmlns:r="http://schemas.openxmlformats.org/officeDocument/2006/relationships" xmlns:p="http://schemas.openxmlformats.org/presentationml/2006/main">
   <p:cSld>
     <p:spTree>
@@ -10207,7 +9961,7 @@
 </p:sld>
 </file>
 
-<file path=ppt/slides/slide13.xml><?xml version="1.0" encoding="utf-8"?>
+<file path=ppt/slides/slide12.xml><?xml version="1.0" encoding="utf-8"?>
 <p:sld xmlns:a="http://schemas.openxmlformats.org/drawingml/2006/main" xmlns:r="http://schemas.openxmlformats.org/officeDocument/2006/relationships" xmlns:p="http://schemas.openxmlformats.org/presentationml/2006/main">
   <p:cSld>
     <p:spTree>
@@ -10333,7 +10087,7 @@
 </p:sld>
 </file>
 
-<file path=ppt/slides/slide14.xml><?xml version="1.0" encoding="utf-8"?>
+<file path=ppt/slides/slide13.xml><?xml version="1.0" encoding="utf-8"?>
 <p:sld xmlns:a="http://schemas.openxmlformats.org/drawingml/2006/main" xmlns:r="http://schemas.openxmlformats.org/officeDocument/2006/relationships" xmlns:p="http://schemas.openxmlformats.org/presentationml/2006/main">
   <p:cSld>
     <p:spTree>
@@ -10459,7 +10213,7 @@
 </p:sld>
 </file>
 
-<file path=ppt/slides/slide15.xml><?xml version="1.0" encoding="utf-8"?>
+<file path=ppt/slides/slide14.xml><?xml version="1.0" encoding="utf-8"?>
 <p:sld xmlns:a="http://schemas.openxmlformats.org/drawingml/2006/main" xmlns:r="http://schemas.openxmlformats.org/officeDocument/2006/relationships" xmlns:p="http://schemas.openxmlformats.org/presentationml/2006/main">
   <p:cSld>
     <p:spTree>
@@ -10577,7 +10331,7 @@
 </p:sld>
 </file>
 
-<file path=ppt/slides/slide16.xml><?xml version="1.0" encoding="utf-8"?>
+<file path=ppt/slides/slide15.xml><?xml version="1.0" encoding="utf-8"?>
 <p:sld xmlns:a="http://schemas.openxmlformats.org/drawingml/2006/main" xmlns:r="http://schemas.openxmlformats.org/officeDocument/2006/relationships" xmlns:p="http://schemas.openxmlformats.org/presentationml/2006/main">
   <p:cSld>
     <p:spTree>
@@ -10695,7 +10449,7 @@
 </p:sld>
 </file>
 
-<file path=ppt/slides/slide17.xml><?xml version="1.0" encoding="utf-8"?>
+<file path=ppt/slides/slide16.xml><?xml version="1.0" encoding="utf-8"?>
 <p:sld xmlns:a="http://schemas.openxmlformats.org/drawingml/2006/main" xmlns:r="http://schemas.openxmlformats.org/officeDocument/2006/relationships" xmlns:p="http://schemas.openxmlformats.org/presentationml/2006/main">
   <p:cSld>
     <p:spTree>
@@ -10813,7 +10567,7 @@
 </p:sld>
 </file>
 
-<file path=ppt/slides/slide18.xml><?xml version="1.0" encoding="utf-8"?>
+<file path=ppt/slides/slide17.xml><?xml version="1.0" encoding="utf-8"?>
 <p:sld xmlns:a="http://schemas.openxmlformats.org/drawingml/2006/main" xmlns:r="http://schemas.openxmlformats.org/officeDocument/2006/relationships" xmlns:p="http://schemas.openxmlformats.org/presentationml/2006/main">
   <p:cSld>
     <p:spTree>
@@ -10927,7 +10681,7 @@
 </p:sld>
 </file>
 
-<file path=ppt/slides/slide19.xml><?xml version="1.0" encoding="utf-8"?>
+<file path=ppt/slides/slide18.xml><?xml version="1.0" encoding="utf-8"?>
 <p:sld xmlns:a="http://schemas.openxmlformats.org/drawingml/2006/main" xmlns:r="http://schemas.openxmlformats.org/officeDocument/2006/relationships" xmlns:p="http://schemas.openxmlformats.org/presentationml/2006/main">
   <p:cSld>
     <p:spTree>
@@ -11052,341 +10806,7 @@
 </p:sld>
 </file>
 
-<file path=ppt/slides/slide2.xml><?xml version="1.0" encoding="utf-8"?>
-<p:sld xmlns:a="http://schemas.openxmlformats.org/drawingml/2006/main" xmlns:r="http://schemas.openxmlformats.org/officeDocument/2006/relationships" xmlns:p="http://schemas.openxmlformats.org/presentationml/2006/main">
-  <p:cSld>
-    <p:spTree>
-      <p:nvGrpSpPr>
-        <p:cNvPr id="1" name="Shape 510"/>
-        <p:cNvGrpSpPr/>
-        <p:nvPr/>
-      </p:nvGrpSpPr>
-      <p:grpSpPr>
-        <a:xfrm>
-          <a:off x="0" y="0"/>
-          <a:ext cx="0" cy="0"/>
-          <a:chOff x="0" y="0"/>
-          <a:chExt cx="0" cy="0"/>
-        </a:xfrm>
-      </p:grpSpPr>
-      <p:sp>
-        <p:nvSpPr>
-          <p:cNvPr id="511" name="Google Shape;511;p62"/>
-          <p:cNvSpPr txBox="1">
-            <a:spLocks noGrp="1"/>
-          </p:cNvSpPr>
-          <p:nvPr>
-            <p:ph type="title"/>
-          </p:nvPr>
-        </p:nvSpPr>
-        <p:spPr>
-          <a:xfrm>
-            <a:off x="1938620" y="2571759"/>
-            <a:ext cx="2336400" cy="405000"/>
-          </a:xfrm>
-          <a:prstGeom prst="rect">
-            <a:avLst/>
-          </a:prstGeom>
-        </p:spPr>
-        <p:txBody>
-          <a:bodyPr spcFirstLastPara="1" wrap="square" lIns="91425" tIns="91425" rIns="91425" bIns="91425" anchor="t" anchorCtr="0">
-            <a:noAutofit/>
-          </a:bodyPr>
-          <a:lstStyle/>
-          <a:p>
-            <a:pPr marL="0" lvl="0" indent="0" algn="ctr" rtl="0">
-              <a:spcBef>
-                <a:spcPts val="0"/>
-              </a:spcBef>
-              <a:spcAft>
-                <a:spcPts val="0"/>
-              </a:spcAft>
-              <a:buClr>
-                <a:schemeClr val="dk1"/>
-              </a:buClr>
-              <a:buSzPts val="1100"/>
-              <a:buFont typeface="Arial"/>
-              <a:buNone/>
-            </a:pPr>
-            <a:r>
-              <a:rPr lang="en" dirty="0"/>
-              <a:t>Backend</a:t>
-            </a:r>
-            <a:endParaRPr dirty="0"/>
-          </a:p>
-        </p:txBody>
-      </p:sp>
-      <p:sp>
-        <p:nvSpPr>
-          <p:cNvPr id="512" name="Google Shape;512;p62"/>
-          <p:cNvSpPr txBox="1">
-            <a:spLocks noGrp="1"/>
-          </p:cNvSpPr>
-          <p:nvPr>
-            <p:ph type="subTitle" idx="1"/>
-          </p:nvPr>
-        </p:nvSpPr>
-        <p:spPr>
-          <a:xfrm>
-            <a:off x="1938620" y="2975740"/>
-            <a:ext cx="2336400" cy="572700"/>
-          </a:xfrm>
-          <a:prstGeom prst="rect">
-            <a:avLst/>
-          </a:prstGeom>
-        </p:spPr>
-        <p:txBody>
-          <a:bodyPr spcFirstLastPara="1" wrap="square" lIns="91425" tIns="91425" rIns="91425" bIns="91425" anchor="t" anchorCtr="0">
-            <a:noAutofit/>
-          </a:bodyPr>
-          <a:lstStyle/>
-          <a:p>
-            <a:pPr marL="0" lvl="0" indent="0" algn="ctr" rtl="0">
-              <a:spcBef>
-                <a:spcPts val="0"/>
-              </a:spcBef>
-              <a:spcAft>
-                <a:spcPts val="0"/>
-              </a:spcAft>
-              <a:buNone/>
-            </a:pPr>
-            <a:r>
-              <a:rPr lang="en" dirty="0"/>
-              <a:t>Laravel Breeze mit Sanctum</a:t>
-            </a:r>
-            <a:endParaRPr dirty="0"/>
-          </a:p>
-        </p:txBody>
-      </p:sp>
-      <p:sp>
-        <p:nvSpPr>
-          <p:cNvPr id="513" name="Google Shape;513;p62"/>
-          <p:cNvSpPr txBox="1">
-            <a:spLocks noGrp="1"/>
-          </p:cNvSpPr>
-          <p:nvPr>
-            <p:ph type="subTitle" idx="8"/>
-          </p:nvPr>
-        </p:nvSpPr>
-        <p:spPr>
-          <a:xfrm>
-            <a:off x="4870692" y="2975740"/>
-            <a:ext cx="2336400" cy="572700"/>
-          </a:xfrm>
-          <a:prstGeom prst="rect">
-            <a:avLst/>
-          </a:prstGeom>
-        </p:spPr>
-        <p:txBody>
-          <a:bodyPr spcFirstLastPara="1" wrap="square" lIns="91425" tIns="91425" rIns="91425" bIns="91425" anchor="t" anchorCtr="0">
-            <a:noAutofit/>
-          </a:bodyPr>
-          <a:lstStyle/>
-          <a:p>
-            <a:pPr marL="0" lvl="0" indent="0" algn="ctr" rtl="0">
-              <a:spcBef>
-                <a:spcPts val="0"/>
-              </a:spcBef>
-              <a:spcAft>
-                <a:spcPts val="0"/>
-              </a:spcAft>
-              <a:buClr>
-                <a:schemeClr val="dk1"/>
-              </a:buClr>
-              <a:buSzPts val="1100"/>
-              <a:buFont typeface="Arial"/>
-              <a:buNone/>
-            </a:pPr>
-            <a:r>
-              <a:rPr lang="en" dirty="0"/>
-              <a:t>.NET MAUI mit SyncFusion</a:t>
-            </a:r>
-            <a:endParaRPr dirty="0"/>
-          </a:p>
-        </p:txBody>
-      </p:sp>
-      <p:sp>
-        <p:nvSpPr>
-          <p:cNvPr id="516" name="Google Shape;516;p62"/>
-          <p:cNvSpPr txBox="1">
-            <a:spLocks noGrp="1"/>
-          </p:cNvSpPr>
-          <p:nvPr>
-            <p:ph type="title" idx="2"/>
-          </p:nvPr>
-        </p:nvSpPr>
-        <p:spPr>
-          <a:xfrm>
-            <a:off x="2701220" y="1989866"/>
-            <a:ext cx="811200" cy="572700"/>
-          </a:xfrm>
-          <a:prstGeom prst="rect">
-            <a:avLst/>
-          </a:prstGeom>
-        </p:spPr>
-        <p:txBody>
-          <a:bodyPr spcFirstLastPara="1" wrap="square" lIns="91425" tIns="91425" rIns="91425" bIns="91425" anchor="t" anchorCtr="0">
-            <a:noAutofit/>
-          </a:bodyPr>
-          <a:lstStyle/>
-          <a:p>
-            <a:pPr marL="0" lvl="0" indent="0" algn="ctr" rtl="0">
-              <a:spcBef>
-                <a:spcPts val="0"/>
-              </a:spcBef>
-              <a:spcAft>
-                <a:spcPts val="0"/>
-              </a:spcAft>
-              <a:buNone/>
-            </a:pPr>
-            <a:r>
-              <a:rPr lang="en" dirty="0"/>
-              <a:t>01</a:t>
-            </a:r>
-            <a:endParaRPr dirty="0"/>
-          </a:p>
-        </p:txBody>
-      </p:sp>
-      <p:sp>
-        <p:nvSpPr>
-          <p:cNvPr id="519" name="Google Shape;519;p62"/>
-          <p:cNvSpPr txBox="1">
-            <a:spLocks noGrp="1"/>
-          </p:cNvSpPr>
-          <p:nvPr>
-            <p:ph type="title" idx="6"/>
-          </p:nvPr>
-        </p:nvSpPr>
-        <p:spPr>
-          <a:xfrm>
-            <a:off x="4870692" y="2571750"/>
-            <a:ext cx="2336400" cy="405000"/>
-          </a:xfrm>
-          <a:prstGeom prst="rect">
-            <a:avLst/>
-          </a:prstGeom>
-        </p:spPr>
-        <p:txBody>
-          <a:bodyPr spcFirstLastPara="1" wrap="square" lIns="91425" tIns="91425" rIns="91425" bIns="91425" anchor="t" anchorCtr="0">
-            <a:noAutofit/>
-          </a:bodyPr>
-          <a:lstStyle/>
-          <a:p>
-            <a:pPr marL="0" lvl="0" indent="0" algn="ctr" rtl="0">
-              <a:spcBef>
-                <a:spcPts val="0"/>
-              </a:spcBef>
-              <a:spcAft>
-                <a:spcPts val="0"/>
-              </a:spcAft>
-              <a:buClr>
-                <a:schemeClr val="dk1"/>
-              </a:buClr>
-              <a:buSzPts val="1100"/>
-              <a:buFont typeface="Arial"/>
-              <a:buNone/>
-            </a:pPr>
-            <a:r>
-              <a:rPr lang="en" dirty="0"/>
-              <a:t>App</a:t>
-            </a:r>
-            <a:endParaRPr dirty="0"/>
-          </a:p>
-        </p:txBody>
-      </p:sp>
-      <p:sp>
-        <p:nvSpPr>
-          <p:cNvPr id="520" name="Google Shape;520;p62"/>
-          <p:cNvSpPr txBox="1">
-            <a:spLocks noGrp="1"/>
-          </p:cNvSpPr>
-          <p:nvPr>
-            <p:ph type="title" idx="7"/>
-          </p:nvPr>
-        </p:nvSpPr>
-        <p:spPr>
-          <a:xfrm>
-            <a:off x="5633292" y="1989857"/>
-            <a:ext cx="811200" cy="572700"/>
-          </a:xfrm>
-          <a:prstGeom prst="rect">
-            <a:avLst/>
-          </a:prstGeom>
-        </p:spPr>
-        <p:txBody>
-          <a:bodyPr spcFirstLastPara="1" wrap="square" lIns="91425" tIns="91425" rIns="91425" bIns="91425" anchor="t" anchorCtr="0">
-            <a:noAutofit/>
-          </a:bodyPr>
-          <a:lstStyle/>
-          <a:p>
-            <a:pPr marL="0" lvl="0" indent="0" algn="ctr" rtl="0">
-              <a:spcBef>
-                <a:spcPts val="0"/>
-              </a:spcBef>
-              <a:spcAft>
-                <a:spcPts val="0"/>
-              </a:spcAft>
-              <a:buNone/>
-            </a:pPr>
-            <a:r>
-              <a:rPr lang="en" dirty="0"/>
-              <a:t>02</a:t>
-            </a:r>
-            <a:endParaRPr dirty="0"/>
-          </a:p>
-        </p:txBody>
-      </p:sp>
-      <p:sp>
-        <p:nvSpPr>
-          <p:cNvPr id="529" name="Google Shape;529;p62"/>
-          <p:cNvSpPr txBox="1">
-            <a:spLocks noGrp="1"/>
-          </p:cNvSpPr>
-          <p:nvPr>
-            <p:ph type="title" idx="21"/>
-          </p:nvPr>
-        </p:nvSpPr>
-        <p:spPr>
-          <a:xfrm>
-            <a:off x="2332400" y="445025"/>
-            <a:ext cx="4479300" cy="572700"/>
-          </a:xfrm>
-          <a:prstGeom prst="rect">
-            <a:avLst/>
-          </a:prstGeom>
-        </p:spPr>
-        <p:txBody>
-          <a:bodyPr spcFirstLastPara="1" wrap="square" lIns="91425" tIns="91425" rIns="91425" bIns="91425" anchor="t" anchorCtr="0">
-            <a:noAutofit/>
-          </a:bodyPr>
-          <a:lstStyle/>
-          <a:p>
-            <a:pPr marL="0" lvl="0" indent="0" algn="ctr" rtl="0">
-              <a:spcBef>
-                <a:spcPts val="0"/>
-              </a:spcBef>
-              <a:spcAft>
-                <a:spcPts val="0"/>
-              </a:spcAft>
-              <a:buNone/>
-            </a:pPr>
-            <a:r>
-              <a:rPr lang="en" dirty="0"/>
-              <a:t>Inhalt</a:t>
-            </a:r>
-            <a:endParaRPr dirty="0"/>
-          </a:p>
-        </p:txBody>
-      </p:sp>
-    </p:spTree>
-  </p:cSld>
-  <p:clrMapOvr>
-    <a:masterClrMapping/>
-  </p:clrMapOvr>
-</p:sld>
-</file>
-
-<file path=ppt/slides/slide20.xml><?xml version="1.0" encoding="utf-8"?>
+<file path=ppt/slides/slide19.xml><?xml version="1.0" encoding="utf-8"?>
 <p:sld xmlns:a="http://schemas.openxmlformats.org/drawingml/2006/main" xmlns:r="http://schemas.openxmlformats.org/officeDocument/2006/relationships" xmlns:p="http://schemas.openxmlformats.org/presentationml/2006/main">
   <p:cSld>
     <p:spTree>
@@ -11503,7 +10923,341 @@
 </p:sld>
 </file>
 
-<file path=ppt/slides/slide21.xml><?xml version="1.0" encoding="utf-8"?>
+<file path=ppt/slides/slide2.xml><?xml version="1.0" encoding="utf-8"?>
+<p:sld xmlns:a="http://schemas.openxmlformats.org/drawingml/2006/main" xmlns:r="http://schemas.openxmlformats.org/officeDocument/2006/relationships" xmlns:p="http://schemas.openxmlformats.org/presentationml/2006/main">
+  <p:cSld>
+    <p:spTree>
+      <p:nvGrpSpPr>
+        <p:cNvPr id="1" name="Shape 510"/>
+        <p:cNvGrpSpPr/>
+        <p:nvPr/>
+      </p:nvGrpSpPr>
+      <p:grpSpPr>
+        <a:xfrm>
+          <a:off x="0" y="0"/>
+          <a:ext cx="0" cy="0"/>
+          <a:chOff x="0" y="0"/>
+          <a:chExt cx="0" cy="0"/>
+        </a:xfrm>
+      </p:grpSpPr>
+      <p:sp>
+        <p:nvSpPr>
+          <p:cNvPr id="511" name="Google Shape;511;p62"/>
+          <p:cNvSpPr txBox="1">
+            <a:spLocks noGrp="1"/>
+          </p:cNvSpPr>
+          <p:nvPr>
+            <p:ph type="title"/>
+          </p:nvPr>
+        </p:nvSpPr>
+        <p:spPr>
+          <a:xfrm>
+            <a:off x="1938620" y="2571759"/>
+            <a:ext cx="2336400" cy="405000"/>
+          </a:xfrm>
+          <a:prstGeom prst="rect">
+            <a:avLst/>
+          </a:prstGeom>
+        </p:spPr>
+        <p:txBody>
+          <a:bodyPr spcFirstLastPara="1" wrap="square" lIns="91425" tIns="91425" rIns="91425" bIns="91425" anchor="t" anchorCtr="0">
+            <a:noAutofit/>
+          </a:bodyPr>
+          <a:lstStyle/>
+          <a:p>
+            <a:pPr marL="0" lvl="0" indent="0" algn="ctr" rtl="0">
+              <a:spcBef>
+                <a:spcPts val="0"/>
+              </a:spcBef>
+              <a:spcAft>
+                <a:spcPts val="0"/>
+              </a:spcAft>
+              <a:buClr>
+                <a:schemeClr val="dk1"/>
+              </a:buClr>
+              <a:buSzPts val="1100"/>
+              <a:buFont typeface="Arial"/>
+              <a:buNone/>
+            </a:pPr>
+            <a:r>
+              <a:rPr lang="en" dirty="0"/>
+              <a:t>Backend</a:t>
+            </a:r>
+            <a:endParaRPr dirty="0"/>
+          </a:p>
+        </p:txBody>
+      </p:sp>
+      <p:sp>
+        <p:nvSpPr>
+          <p:cNvPr id="512" name="Google Shape;512;p62"/>
+          <p:cNvSpPr txBox="1">
+            <a:spLocks noGrp="1"/>
+          </p:cNvSpPr>
+          <p:nvPr>
+            <p:ph type="subTitle" idx="1"/>
+          </p:nvPr>
+        </p:nvSpPr>
+        <p:spPr>
+          <a:xfrm>
+            <a:off x="1938620" y="2975740"/>
+            <a:ext cx="2336400" cy="572700"/>
+          </a:xfrm>
+          <a:prstGeom prst="rect">
+            <a:avLst/>
+          </a:prstGeom>
+        </p:spPr>
+        <p:txBody>
+          <a:bodyPr spcFirstLastPara="1" wrap="square" lIns="91425" tIns="91425" rIns="91425" bIns="91425" anchor="t" anchorCtr="0">
+            <a:noAutofit/>
+          </a:bodyPr>
+          <a:lstStyle/>
+          <a:p>
+            <a:pPr marL="0" lvl="0" indent="0" algn="ctr" rtl="0">
+              <a:spcBef>
+                <a:spcPts val="0"/>
+              </a:spcBef>
+              <a:spcAft>
+                <a:spcPts val="0"/>
+              </a:spcAft>
+              <a:buNone/>
+            </a:pPr>
+            <a:r>
+              <a:rPr lang="en" dirty="0"/>
+              <a:t>Laravel Breeze mit Sanctum</a:t>
+            </a:r>
+            <a:endParaRPr dirty="0"/>
+          </a:p>
+        </p:txBody>
+      </p:sp>
+      <p:sp>
+        <p:nvSpPr>
+          <p:cNvPr id="513" name="Google Shape;513;p62"/>
+          <p:cNvSpPr txBox="1">
+            <a:spLocks noGrp="1"/>
+          </p:cNvSpPr>
+          <p:nvPr>
+            <p:ph type="subTitle" idx="8"/>
+          </p:nvPr>
+        </p:nvSpPr>
+        <p:spPr>
+          <a:xfrm>
+            <a:off x="4870692" y="2975740"/>
+            <a:ext cx="2336400" cy="572700"/>
+          </a:xfrm>
+          <a:prstGeom prst="rect">
+            <a:avLst/>
+          </a:prstGeom>
+        </p:spPr>
+        <p:txBody>
+          <a:bodyPr spcFirstLastPara="1" wrap="square" lIns="91425" tIns="91425" rIns="91425" bIns="91425" anchor="t" anchorCtr="0">
+            <a:noAutofit/>
+          </a:bodyPr>
+          <a:lstStyle/>
+          <a:p>
+            <a:pPr marL="0" lvl="0" indent="0" algn="ctr" rtl="0">
+              <a:spcBef>
+                <a:spcPts val="0"/>
+              </a:spcBef>
+              <a:spcAft>
+                <a:spcPts val="0"/>
+              </a:spcAft>
+              <a:buClr>
+                <a:schemeClr val="dk1"/>
+              </a:buClr>
+              <a:buSzPts val="1100"/>
+              <a:buFont typeface="Arial"/>
+              <a:buNone/>
+            </a:pPr>
+            <a:r>
+              <a:rPr lang="en" dirty="0"/>
+              <a:t>.NET MAUI mit SyncFusion</a:t>
+            </a:r>
+            <a:endParaRPr dirty="0"/>
+          </a:p>
+        </p:txBody>
+      </p:sp>
+      <p:sp>
+        <p:nvSpPr>
+          <p:cNvPr id="516" name="Google Shape;516;p62"/>
+          <p:cNvSpPr txBox="1">
+            <a:spLocks noGrp="1"/>
+          </p:cNvSpPr>
+          <p:nvPr>
+            <p:ph type="title" idx="2"/>
+          </p:nvPr>
+        </p:nvSpPr>
+        <p:spPr>
+          <a:xfrm>
+            <a:off x="2701220" y="1989866"/>
+            <a:ext cx="811200" cy="572700"/>
+          </a:xfrm>
+          <a:prstGeom prst="rect">
+            <a:avLst/>
+          </a:prstGeom>
+        </p:spPr>
+        <p:txBody>
+          <a:bodyPr spcFirstLastPara="1" wrap="square" lIns="91425" tIns="91425" rIns="91425" bIns="91425" anchor="t" anchorCtr="0">
+            <a:noAutofit/>
+          </a:bodyPr>
+          <a:lstStyle/>
+          <a:p>
+            <a:pPr marL="0" lvl="0" indent="0" algn="ctr" rtl="0">
+              <a:spcBef>
+                <a:spcPts val="0"/>
+              </a:spcBef>
+              <a:spcAft>
+                <a:spcPts val="0"/>
+              </a:spcAft>
+              <a:buNone/>
+            </a:pPr>
+            <a:r>
+              <a:rPr lang="en" dirty="0"/>
+              <a:t>01</a:t>
+            </a:r>
+            <a:endParaRPr dirty="0"/>
+          </a:p>
+        </p:txBody>
+      </p:sp>
+      <p:sp>
+        <p:nvSpPr>
+          <p:cNvPr id="519" name="Google Shape;519;p62"/>
+          <p:cNvSpPr txBox="1">
+            <a:spLocks noGrp="1"/>
+          </p:cNvSpPr>
+          <p:nvPr>
+            <p:ph type="title" idx="6"/>
+          </p:nvPr>
+        </p:nvSpPr>
+        <p:spPr>
+          <a:xfrm>
+            <a:off x="4870692" y="2571750"/>
+            <a:ext cx="2336400" cy="405000"/>
+          </a:xfrm>
+          <a:prstGeom prst="rect">
+            <a:avLst/>
+          </a:prstGeom>
+        </p:spPr>
+        <p:txBody>
+          <a:bodyPr spcFirstLastPara="1" wrap="square" lIns="91425" tIns="91425" rIns="91425" bIns="91425" anchor="t" anchorCtr="0">
+            <a:noAutofit/>
+          </a:bodyPr>
+          <a:lstStyle/>
+          <a:p>
+            <a:pPr marL="0" lvl="0" indent="0" algn="ctr" rtl="0">
+              <a:spcBef>
+                <a:spcPts val="0"/>
+              </a:spcBef>
+              <a:spcAft>
+                <a:spcPts val="0"/>
+              </a:spcAft>
+              <a:buClr>
+                <a:schemeClr val="dk1"/>
+              </a:buClr>
+              <a:buSzPts val="1100"/>
+              <a:buFont typeface="Arial"/>
+              <a:buNone/>
+            </a:pPr>
+            <a:r>
+              <a:rPr lang="en" dirty="0"/>
+              <a:t>App</a:t>
+            </a:r>
+            <a:endParaRPr dirty="0"/>
+          </a:p>
+        </p:txBody>
+      </p:sp>
+      <p:sp>
+        <p:nvSpPr>
+          <p:cNvPr id="520" name="Google Shape;520;p62"/>
+          <p:cNvSpPr txBox="1">
+            <a:spLocks noGrp="1"/>
+          </p:cNvSpPr>
+          <p:nvPr>
+            <p:ph type="title" idx="7"/>
+          </p:nvPr>
+        </p:nvSpPr>
+        <p:spPr>
+          <a:xfrm>
+            <a:off x="5633292" y="1989857"/>
+            <a:ext cx="811200" cy="572700"/>
+          </a:xfrm>
+          <a:prstGeom prst="rect">
+            <a:avLst/>
+          </a:prstGeom>
+        </p:spPr>
+        <p:txBody>
+          <a:bodyPr spcFirstLastPara="1" wrap="square" lIns="91425" tIns="91425" rIns="91425" bIns="91425" anchor="t" anchorCtr="0">
+            <a:noAutofit/>
+          </a:bodyPr>
+          <a:lstStyle/>
+          <a:p>
+            <a:pPr marL="0" lvl="0" indent="0" algn="ctr" rtl="0">
+              <a:spcBef>
+                <a:spcPts val="0"/>
+              </a:spcBef>
+              <a:spcAft>
+                <a:spcPts val="0"/>
+              </a:spcAft>
+              <a:buNone/>
+            </a:pPr>
+            <a:r>
+              <a:rPr lang="en" dirty="0"/>
+              <a:t>02</a:t>
+            </a:r>
+            <a:endParaRPr dirty="0"/>
+          </a:p>
+        </p:txBody>
+      </p:sp>
+      <p:sp>
+        <p:nvSpPr>
+          <p:cNvPr id="529" name="Google Shape;529;p62"/>
+          <p:cNvSpPr txBox="1">
+            <a:spLocks noGrp="1"/>
+          </p:cNvSpPr>
+          <p:nvPr>
+            <p:ph type="title" idx="21"/>
+          </p:nvPr>
+        </p:nvSpPr>
+        <p:spPr>
+          <a:xfrm>
+            <a:off x="2332400" y="445025"/>
+            <a:ext cx="4479300" cy="572700"/>
+          </a:xfrm>
+          <a:prstGeom prst="rect">
+            <a:avLst/>
+          </a:prstGeom>
+        </p:spPr>
+        <p:txBody>
+          <a:bodyPr spcFirstLastPara="1" wrap="square" lIns="91425" tIns="91425" rIns="91425" bIns="91425" anchor="t" anchorCtr="0">
+            <a:noAutofit/>
+          </a:bodyPr>
+          <a:lstStyle/>
+          <a:p>
+            <a:pPr marL="0" lvl="0" indent="0" algn="ctr" rtl="0">
+              <a:spcBef>
+                <a:spcPts val="0"/>
+              </a:spcBef>
+              <a:spcAft>
+                <a:spcPts val="0"/>
+              </a:spcAft>
+              <a:buNone/>
+            </a:pPr>
+            <a:r>
+              <a:rPr lang="en" dirty="0"/>
+              <a:t>Inhalt</a:t>
+            </a:r>
+            <a:endParaRPr dirty="0"/>
+          </a:p>
+        </p:txBody>
+      </p:sp>
+    </p:spTree>
+  </p:cSld>
+  <p:clrMapOvr>
+    <a:masterClrMapping/>
+  </p:clrMapOvr>
+</p:sld>
+</file>
+
+<file path=ppt/slides/slide20.xml><?xml version="1.0" encoding="utf-8"?>
 <p:sld xmlns:a="http://schemas.openxmlformats.org/drawingml/2006/main" xmlns:r="http://schemas.openxmlformats.org/officeDocument/2006/relationships" xmlns:p="http://schemas.openxmlformats.org/presentationml/2006/main">
   <p:cSld>
     <p:spTree>
@@ -11620,7 +11374,7 @@
 </p:sld>
 </file>
 
-<file path=ppt/slides/slide22.xml><?xml version="1.0" encoding="utf-8"?>
+<file path=ppt/slides/slide21.xml><?xml version="1.0" encoding="utf-8"?>
 <p:sld xmlns:a="http://schemas.openxmlformats.org/drawingml/2006/main" xmlns:r="http://schemas.openxmlformats.org/officeDocument/2006/relationships" xmlns:p="http://schemas.openxmlformats.org/presentationml/2006/main">
   <p:cSld>
     <p:spTree>
@@ -11931,7 +11685,7 @@
 </p:sld>
 </file>
 
-<file path=ppt/slides/slide23.xml><?xml version="1.0" encoding="utf-8"?>
+<file path=ppt/slides/slide22.xml><?xml version="1.0" encoding="utf-8"?>
 <p:sld xmlns:a="http://schemas.openxmlformats.org/drawingml/2006/main" xmlns:r="http://schemas.openxmlformats.org/officeDocument/2006/relationships" xmlns:p="http://schemas.openxmlformats.org/presentationml/2006/main">
   <p:cSld>
     <p:spTree>
@@ -11972,14 +11726,15 @@
         </p:nvSpPr>
         <p:spPr>
           <a:xfrm>
-            <a:off x="3196278" y="2074050"/>
-            <a:ext cx="2751443" cy="497700"/>
+            <a:off x="1012371" y="2074050"/>
+            <a:ext cx="7119257" cy="497700"/>
           </a:xfrm>
         </p:spPr>
         <p:txBody>
           <a:bodyPr/>
           <a:lstStyle/>
           <a:p>
+            <a:pPr algn="ctr"/>
             <a:r>
               <a:rPr lang="de-DE" sz="8000" b="1" dirty="0"/>
               <a:t>MAUI</a:t>
@@ -12001,7 +11756,7 @@
 </p:sld>
 </file>
 
-<file path=ppt/slides/slide24.xml><?xml version="1.0" encoding="utf-8"?>
+<file path=ppt/slides/slide23.xml><?xml version="1.0" encoding="utf-8"?>
 <p:sld xmlns:a="http://schemas.openxmlformats.org/drawingml/2006/main" xmlns:r="http://schemas.openxmlformats.org/officeDocument/2006/relationships" xmlns:p="http://schemas.openxmlformats.org/presentationml/2006/main">
   <p:cSld>
     <p:spTree>
@@ -12114,7 +11869,7 @@
 </p:sld>
 </file>
 
-<file path=ppt/slides/slide25.xml><?xml version="1.0" encoding="utf-8"?>
+<file path=ppt/slides/slide24.xml><?xml version="1.0" encoding="utf-8"?>
 <p:sld xmlns:a="http://schemas.openxmlformats.org/drawingml/2006/main" xmlns:r="http://schemas.openxmlformats.org/officeDocument/2006/relationships" xmlns:p="http://schemas.openxmlformats.org/presentationml/2006/main">
   <p:cSld>
     <p:spTree>
@@ -12227,7 +11982,7 @@
 </p:sld>
 </file>
 
-<file path=ppt/slides/slide26.xml><?xml version="1.0" encoding="utf-8"?>
+<file path=ppt/slides/slide25.xml><?xml version="1.0" encoding="utf-8"?>
 <p:sld xmlns:a="http://schemas.openxmlformats.org/drawingml/2006/main" xmlns:r="http://schemas.openxmlformats.org/officeDocument/2006/relationships" xmlns:p="http://schemas.openxmlformats.org/presentationml/2006/main">
   <p:cSld>
     <p:spTree>
@@ -12348,7 +12103,7 @@
 </p:sld>
 </file>
 
-<file path=ppt/slides/slide27.xml><?xml version="1.0" encoding="utf-8"?>
+<file path=ppt/slides/slide26.xml><?xml version="1.0" encoding="utf-8"?>
 <p:sld xmlns:a="http://schemas.openxmlformats.org/drawingml/2006/main" xmlns:r="http://schemas.openxmlformats.org/officeDocument/2006/relationships" xmlns:p="http://schemas.openxmlformats.org/presentationml/2006/main">
   <p:cSld>
     <p:spTree>
@@ -12462,7 +12217,7 @@
 </p:sld>
 </file>
 
-<file path=ppt/slides/slide28.xml><?xml version="1.0" encoding="utf-8"?>
+<file path=ppt/slides/slide27.xml><?xml version="1.0" encoding="utf-8"?>
 <p:sld xmlns:a="http://schemas.openxmlformats.org/drawingml/2006/main" xmlns:r="http://schemas.openxmlformats.org/officeDocument/2006/relationships" xmlns:p="http://schemas.openxmlformats.org/presentationml/2006/main">
   <p:cSld>
     <p:spTree>
@@ -12576,7 +12331,7 @@
 </p:sld>
 </file>
 
-<file path=ppt/slides/slide29.xml><?xml version="1.0" encoding="utf-8"?>
+<file path=ppt/slides/slide28.xml><?xml version="1.0" encoding="utf-8"?>
 <p:sld xmlns:a="http://schemas.openxmlformats.org/drawingml/2006/main" xmlns:r="http://schemas.openxmlformats.org/officeDocument/2006/relationships" xmlns:p="http://schemas.openxmlformats.org/presentationml/2006/main">
   <p:cSld>
     <p:spTree>
@@ -12681,6 +12436,120 @@
     <p:extLst>
       <p:ext uri="{BB962C8B-B14F-4D97-AF65-F5344CB8AC3E}">
         <p14:creationId xmlns:p14="http://schemas.microsoft.com/office/powerpoint/2010/main" val="2321589287"/>
+      </p:ext>
+    </p:extLst>
+  </p:cSld>
+  <p:clrMapOvr>
+    <a:masterClrMapping/>
+  </p:clrMapOvr>
+</p:sld>
+</file>
+
+<file path=ppt/slides/slide29.xml><?xml version="1.0" encoding="utf-8"?>
+<p:sld xmlns:a="http://schemas.openxmlformats.org/drawingml/2006/main" xmlns:r="http://schemas.openxmlformats.org/officeDocument/2006/relationships" xmlns:p="http://schemas.openxmlformats.org/presentationml/2006/main">
+  <p:cSld>
+    <p:spTree>
+      <p:nvGrpSpPr>
+        <p:cNvPr id="1" name="Shape 539">
+          <a:extLst>
+            <a:ext uri="{FF2B5EF4-FFF2-40B4-BE49-F238E27FC236}">
+              <a16:creationId xmlns:a16="http://schemas.microsoft.com/office/drawing/2014/main" id="{153245C3-D98A-7D4D-CAC1-58B9D2D178E0}"/>
+            </a:ext>
+          </a:extLst>
+        </p:cNvPr>
+        <p:cNvGrpSpPr/>
+        <p:nvPr/>
+      </p:nvGrpSpPr>
+      <p:grpSpPr>
+        <a:xfrm>
+          <a:off x="0" y="0"/>
+          <a:ext cx="0" cy="0"/>
+          <a:chOff x="0" y="0"/>
+          <a:chExt cx="0" cy="0"/>
+        </a:xfrm>
+      </p:grpSpPr>
+      <p:sp>
+        <p:nvSpPr>
+          <p:cNvPr id="540" name="Google Shape;540;p64">
+            <a:extLst>
+              <a:ext uri="{FF2B5EF4-FFF2-40B4-BE49-F238E27FC236}">
+                <a16:creationId xmlns:a16="http://schemas.microsoft.com/office/drawing/2014/main" id="{200A58E7-D5EA-12AA-255A-E3107B67472B}"/>
+              </a:ext>
+            </a:extLst>
+          </p:cNvPr>
+          <p:cNvSpPr txBox="1">
+            <a:spLocks noGrp="1"/>
+          </p:cNvSpPr>
+          <p:nvPr>
+            <p:ph type="title"/>
+          </p:nvPr>
+        </p:nvSpPr>
+        <p:spPr>
+          <a:xfrm>
+            <a:off x="775526" y="367764"/>
+            <a:ext cx="6959060" cy="497700"/>
+          </a:xfrm>
+          <a:prstGeom prst="rect">
+            <a:avLst/>
+          </a:prstGeom>
+        </p:spPr>
+        <p:txBody>
+          <a:bodyPr spcFirstLastPara="1" wrap="square" lIns="91425" tIns="91425" rIns="91425" bIns="91425" anchor="t" anchorCtr="0">
+            <a:noAutofit/>
+          </a:bodyPr>
+          <a:lstStyle/>
+          <a:p>
+            <a:pPr marL="0" lvl="0" indent="0" algn="l" rtl="0">
+              <a:spcBef>
+                <a:spcPts val="0"/>
+              </a:spcBef>
+              <a:spcAft>
+                <a:spcPts val="0"/>
+              </a:spcAft>
+              <a:buNone/>
+            </a:pPr>
+            <a:r>
+              <a:rPr lang="de-DE" dirty="0" err="1"/>
+              <a:t>DiagrammPage.xaml.cs</a:t>
+            </a:r>
+            <a:endParaRPr lang="de-DE" dirty="0"/>
+          </a:p>
+        </p:txBody>
+      </p:sp>
+      <p:pic>
+        <p:nvPicPr>
+          <p:cNvPr id="3" name="Grafik 2">
+            <a:extLst>
+              <a:ext uri="{FF2B5EF4-FFF2-40B4-BE49-F238E27FC236}">
+                <a16:creationId xmlns:a16="http://schemas.microsoft.com/office/drawing/2014/main" id="{1121F422-B580-3AE6-DD03-85E0908A85AE}"/>
+              </a:ext>
+            </a:extLst>
+          </p:cNvPr>
+          <p:cNvPicPr>
+            <a:picLocks noChangeAspect="1"/>
+          </p:cNvPicPr>
+          <p:nvPr/>
+        </p:nvPicPr>
+        <p:blipFill>
+          <a:blip r:embed="rId3"/>
+          <a:stretch>
+            <a:fillRect/>
+          </a:stretch>
+        </p:blipFill>
+        <p:spPr>
+          <a:xfrm>
+            <a:off x="775527" y="959065"/>
+            <a:ext cx="4162304" cy="3816671"/>
+          </a:xfrm>
+          <a:prstGeom prst="rect">
+            <a:avLst/>
+          </a:prstGeom>
+        </p:spPr>
+      </p:pic>
+    </p:spTree>
+    <p:extLst>
+      <p:ext uri="{BB962C8B-B14F-4D97-AF65-F5344CB8AC3E}">
+        <p14:creationId xmlns:p14="http://schemas.microsoft.com/office/powerpoint/2010/main" val="2976305957"/>
       </p:ext>
     </p:extLst>
   </p:cSld>
@@ -12725,14 +12594,15 @@
         </p:nvSpPr>
         <p:spPr>
           <a:xfrm>
-            <a:off x="2570978" y="2074050"/>
-            <a:ext cx="4002044" cy="497700"/>
+            <a:off x="119742" y="2074050"/>
+            <a:ext cx="8904515" cy="497700"/>
           </a:xfrm>
         </p:spPr>
         <p:txBody>
           <a:bodyPr/>
           <a:lstStyle/>
           <a:p>
+            <a:pPr algn="ctr"/>
             <a:r>
               <a:rPr lang="de-DE" sz="8000" b="1" dirty="0"/>
               <a:t>Backend</a:t>
@@ -12755,120 +12625,6 @@
 </file>
 
 <file path=ppt/slides/slide30.xml><?xml version="1.0" encoding="utf-8"?>
-<p:sld xmlns:a="http://schemas.openxmlformats.org/drawingml/2006/main" xmlns:r="http://schemas.openxmlformats.org/officeDocument/2006/relationships" xmlns:p="http://schemas.openxmlformats.org/presentationml/2006/main">
-  <p:cSld>
-    <p:spTree>
-      <p:nvGrpSpPr>
-        <p:cNvPr id="1" name="Shape 539">
-          <a:extLst>
-            <a:ext uri="{FF2B5EF4-FFF2-40B4-BE49-F238E27FC236}">
-              <a16:creationId xmlns:a16="http://schemas.microsoft.com/office/drawing/2014/main" id="{153245C3-D98A-7D4D-CAC1-58B9D2D178E0}"/>
-            </a:ext>
-          </a:extLst>
-        </p:cNvPr>
-        <p:cNvGrpSpPr/>
-        <p:nvPr/>
-      </p:nvGrpSpPr>
-      <p:grpSpPr>
-        <a:xfrm>
-          <a:off x="0" y="0"/>
-          <a:ext cx="0" cy="0"/>
-          <a:chOff x="0" y="0"/>
-          <a:chExt cx="0" cy="0"/>
-        </a:xfrm>
-      </p:grpSpPr>
-      <p:sp>
-        <p:nvSpPr>
-          <p:cNvPr id="540" name="Google Shape;540;p64">
-            <a:extLst>
-              <a:ext uri="{FF2B5EF4-FFF2-40B4-BE49-F238E27FC236}">
-                <a16:creationId xmlns:a16="http://schemas.microsoft.com/office/drawing/2014/main" id="{200A58E7-D5EA-12AA-255A-E3107B67472B}"/>
-              </a:ext>
-            </a:extLst>
-          </p:cNvPr>
-          <p:cNvSpPr txBox="1">
-            <a:spLocks noGrp="1"/>
-          </p:cNvSpPr>
-          <p:nvPr>
-            <p:ph type="title"/>
-          </p:nvPr>
-        </p:nvSpPr>
-        <p:spPr>
-          <a:xfrm>
-            <a:off x="775526" y="367764"/>
-            <a:ext cx="6959060" cy="497700"/>
-          </a:xfrm>
-          <a:prstGeom prst="rect">
-            <a:avLst/>
-          </a:prstGeom>
-        </p:spPr>
-        <p:txBody>
-          <a:bodyPr spcFirstLastPara="1" wrap="square" lIns="91425" tIns="91425" rIns="91425" bIns="91425" anchor="t" anchorCtr="0">
-            <a:noAutofit/>
-          </a:bodyPr>
-          <a:lstStyle/>
-          <a:p>
-            <a:pPr marL="0" lvl="0" indent="0" algn="l" rtl="0">
-              <a:spcBef>
-                <a:spcPts val="0"/>
-              </a:spcBef>
-              <a:spcAft>
-                <a:spcPts val="0"/>
-              </a:spcAft>
-              <a:buNone/>
-            </a:pPr>
-            <a:r>
-              <a:rPr lang="de-DE" dirty="0" err="1"/>
-              <a:t>DiagrammPage.xaml.cs</a:t>
-            </a:r>
-            <a:endParaRPr lang="de-DE" dirty="0"/>
-          </a:p>
-        </p:txBody>
-      </p:sp>
-      <p:pic>
-        <p:nvPicPr>
-          <p:cNvPr id="3" name="Grafik 2">
-            <a:extLst>
-              <a:ext uri="{FF2B5EF4-FFF2-40B4-BE49-F238E27FC236}">
-                <a16:creationId xmlns:a16="http://schemas.microsoft.com/office/drawing/2014/main" id="{1121F422-B580-3AE6-DD03-85E0908A85AE}"/>
-              </a:ext>
-            </a:extLst>
-          </p:cNvPr>
-          <p:cNvPicPr>
-            <a:picLocks noChangeAspect="1"/>
-          </p:cNvPicPr>
-          <p:nvPr/>
-        </p:nvPicPr>
-        <p:blipFill>
-          <a:blip r:embed="rId3"/>
-          <a:stretch>
-            <a:fillRect/>
-          </a:stretch>
-        </p:blipFill>
-        <p:spPr>
-          <a:xfrm>
-            <a:off x="775527" y="959065"/>
-            <a:ext cx="4162304" cy="3816671"/>
-          </a:xfrm>
-          <a:prstGeom prst="rect">
-            <a:avLst/>
-          </a:prstGeom>
-        </p:spPr>
-      </p:pic>
-    </p:spTree>
-    <p:extLst>
-      <p:ext uri="{BB962C8B-B14F-4D97-AF65-F5344CB8AC3E}">
-        <p14:creationId xmlns:p14="http://schemas.microsoft.com/office/powerpoint/2010/main" val="2976305957"/>
-      </p:ext>
-    </p:extLst>
-  </p:cSld>
-  <p:clrMapOvr>
-    <a:masterClrMapping/>
-  </p:clrMapOvr>
-</p:sld>
-</file>
-
-<file path=ppt/slides/slide31.xml><?xml version="1.0" encoding="utf-8"?>
 <p:sld xmlns:a="http://schemas.openxmlformats.org/drawingml/2006/main" xmlns:r="http://schemas.openxmlformats.org/officeDocument/2006/relationships" xmlns:p="http://schemas.openxmlformats.org/presentationml/2006/main">
   <p:cSld>
     <p:spTree>
@@ -13607,124 +13363,6 @@
         <p:cNvPr id="1" name="Shape 539">
           <a:extLst>
             <a:ext uri="{FF2B5EF4-FFF2-40B4-BE49-F238E27FC236}">
-              <a16:creationId xmlns:a16="http://schemas.microsoft.com/office/drawing/2014/main" id="{64437226-A791-1874-FBE6-C86BCCD3F881}"/>
-            </a:ext>
-          </a:extLst>
-        </p:cNvPr>
-        <p:cNvGrpSpPr/>
-        <p:nvPr/>
-      </p:nvGrpSpPr>
-      <p:grpSpPr>
-        <a:xfrm>
-          <a:off x="0" y="0"/>
-          <a:ext cx="0" cy="0"/>
-          <a:chOff x="0" y="0"/>
-          <a:chExt cx="0" cy="0"/>
-        </a:xfrm>
-      </p:grpSpPr>
-      <p:sp>
-        <p:nvSpPr>
-          <p:cNvPr id="540" name="Google Shape;540;p64">
-            <a:extLst>
-              <a:ext uri="{FF2B5EF4-FFF2-40B4-BE49-F238E27FC236}">
-                <a16:creationId xmlns:a16="http://schemas.microsoft.com/office/drawing/2014/main" id="{AF6B5E42-2A2A-01DC-174C-721453206EC4}"/>
-              </a:ext>
-            </a:extLst>
-          </p:cNvPr>
-          <p:cNvSpPr txBox="1">
-            <a:spLocks noGrp="1"/>
-          </p:cNvSpPr>
-          <p:nvPr>
-            <p:ph type="title"/>
-          </p:nvPr>
-        </p:nvSpPr>
-        <p:spPr>
-          <a:xfrm>
-            <a:off x="775526" y="367764"/>
-            <a:ext cx="4965255" cy="497700"/>
-          </a:xfrm>
-          <a:prstGeom prst="rect">
-            <a:avLst/>
-          </a:prstGeom>
-        </p:spPr>
-        <p:txBody>
-          <a:bodyPr spcFirstLastPara="1" wrap="square" lIns="91425" tIns="91425" rIns="91425" bIns="91425" anchor="t" anchorCtr="0">
-            <a:noAutofit/>
-          </a:bodyPr>
-          <a:lstStyle/>
-          <a:p>
-            <a:pPr marL="0" lvl="0" indent="0" algn="l" rtl="0">
-              <a:spcBef>
-                <a:spcPts val="0"/>
-              </a:spcBef>
-              <a:spcAft>
-                <a:spcPts val="0"/>
-              </a:spcAft>
-              <a:buNone/>
-            </a:pPr>
-            <a:r>
-              <a:rPr lang="de-DE" dirty="0" err="1"/>
-              <a:t>BudgetController</a:t>
-            </a:r>
-            <a:r>
-              <a:rPr lang="de-DE" dirty="0"/>
-              <a:t> (Budget)</a:t>
-            </a:r>
-            <a:endParaRPr dirty="0"/>
-          </a:p>
-        </p:txBody>
-      </p:sp>
-      <p:pic>
-        <p:nvPicPr>
-          <p:cNvPr id="6" name="Grafik 5">
-            <a:extLst>
-              <a:ext uri="{FF2B5EF4-FFF2-40B4-BE49-F238E27FC236}">
-                <a16:creationId xmlns:a16="http://schemas.microsoft.com/office/drawing/2014/main" id="{E1F5EF41-C9AA-3781-1718-A000A9FD2FDF}"/>
-              </a:ext>
-            </a:extLst>
-          </p:cNvPr>
-          <p:cNvPicPr>
-            <a:picLocks noChangeAspect="1"/>
-          </p:cNvPicPr>
-          <p:nvPr/>
-        </p:nvPicPr>
-        <p:blipFill>
-          <a:blip r:embed="rId3"/>
-          <a:stretch>
-            <a:fillRect/>
-          </a:stretch>
-        </p:blipFill>
-        <p:spPr>
-          <a:xfrm>
-            <a:off x="775527" y="1016480"/>
-            <a:ext cx="5110016" cy="3759256"/>
-          </a:xfrm>
-          <a:prstGeom prst="rect">
-            <a:avLst/>
-          </a:prstGeom>
-        </p:spPr>
-      </p:pic>
-    </p:spTree>
-    <p:extLst>
-      <p:ext uri="{BB962C8B-B14F-4D97-AF65-F5344CB8AC3E}">
-        <p14:creationId xmlns:p14="http://schemas.microsoft.com/office/powerpoint/2010/main" val="3907439262"/>
-      </p:ext>
-    </p:extLst>
-  </p:cSld>
-  <p:clrMapOvr>
-    <a:masterClrMapping/>
-  </p:clrMapOvr>
-</p:sld>
-</file>
-
-<file path=ppt/slides/slide9.xml><?xml version="1.0" encoding="utf-8"?>
-<p:sld xmlns:a="http://schemas.openxmlformats.org/drawingml/2006/main" xmlns:r="http://schemas.openxmlformats.org/officeDocument/2006/relationships" xmlns:p="http://schemas.openxmlformats.org/presentationml/2006/main">
-  <p:cSld>
-    <p:spTree>
-      <p:nvGrpSpPr>
-        <p:cNvPr id="1" name="Shape 539">
-          <a:extLst>
-            <a:ext uri="{FF2B5EF4-FFF2-40B4-BE49-F238E27FC236}">
               <a16:creationId xmlns:a16="http://schemas.microsoft.com/office/drawing/2014/main" id="{1E8DC829-761F-CF16-DC96-15A726E3FB2F}"/>
             </a:ext>
           </a:extLst>
@@ -13826,6 +13464,124 @@
     <p:extLst>
       <p:ext uri="{BB962C8B-B14F-4D97-AF65-F5344CB8AC3E}">
         <p14:creationId xmlns:p14="http://schemas.microsoft.com/office/powerpoint/2010/main" val="939811971"/>
+      </p:ext>
+    </p:extLst>
+  </p:cSld>
+  <p:clrMapOvr>
+    <a:masterClrMapping/>
+  </p:clrMapOvr>
+</p:sld>
+</file>
+
+<file path=ppt/slides/slide9.xml><?xml version="1.0" encoding="utf-8"?>
+<p:sld xmlns:a="http://schemas.openxmlformats.org/drawingml/2006/main" xmlns:r="http://schemas.openxmlformats.org/officeDocument/2006/relationships" xmlns:p="http://schemas.openxmlformats.org/presentationml/2006/main">
+  <p:cSld>
+    <p:spTree>
+      <p:nvGrpSpPr>
+        <p:cNvPr id="1" name="Shape 539">
+          <a:extLst>
+            <a:ext uri="{FF2B5EF4-FFF2-40B4-BE49-F238E27FC236}">
+              <a16:creationId xmlns:a16="http://schemas.microsoft.com/office/drawing/2014/main" id="{772BF7D0-6954-F897-8490-2D48145ACFCA}"/>
+            </a:ext>
+          </a:extLst>
+        </p:cNvPr>
+        <p:cNvGrpSpPr/>
+        <p:nvPr/>
+      </p:nvGrpSpPr>
+      <p:grpSpPr>
+        <a:xfrm>
+          <a:off x="0" y="0"/>
+          <a:ext cx="0" cy="0"/>
+          <a:chOff x="0" y="0"/>
+          <a:chExt cx="0" cy="0"/>
+        </a:xfrm>
+      </p:grpSpPr>
+      <p:sp>
+        <p:nvSpPr>
+          <p:cNvPr id="540" name="Google Shape;540;p64">
+            <a:extLst>
+              <a:ext uri="{FF2B5EF4-FFF2-40B4-BE49-F238E27FC236}">
+                <a16:creationId xmlns:a16="http://schemas.microsoft.com/office/drawing/2014/main" id="{0FAEC656-85D8-6741-7287-8C0240F82FC2}"/>
+              </a:ext>
+            </a:extLst>
+          </p:cNvPr>
+          <p:cNvSpPr txBox="1">
+            <a:spLocks noGrp="1"/>
+          </p:cNvSpPr>
+          <p:nvPr>
+            <p:ph type="title"/>
+          </p:nvPr>
+        </p:nvSpPr>
+        <p:spPr>
+          <a:xfrm>
+            <a:off x="775526" y="367764"/>
+            <a:ext cx="6202789" cy="497700"/>
+          </a:xfrm>
+          <a:prstGeom prst="rect">
+            <a:avLst/>
+          </a:prstGeom>
+        </p:spPr>
+        <p:txBody>
+          <a:bodyPr spcFirstLastPara="1" wrap="square" lIns="91425" tIns="91425" rIns="91425" bIns="91425" anchor="t" anchorCtr="0">
+            <a:noAutofit/>
+          </a:bodyPr>
+          <a:lstStyle/>
+          <a:p>
+            <a:pPr marL="0" lvl="0" indent="0" algn="l" rtl="0">
+              <a:spcBef>
+                <a:spcPts val="0"/>
+              </a:spcBef>
+              <a:spcAft>
+                <a:spcPts val="0"/>
+              </a:spcAft>
+              <a:buNone/>
+            </a:pPr>
+            <a:r>
+              <a:rPr lang="de-DE" dirty="0" err="1"/>
+              <a:t>BudgetController</a:t>
+            </a:r>
+            <a:r>
+              <a:rPr lang="de-DE" dirty="0"/>
+              <a:t> (Budget) </a:t>
+            </a:r>
+            <a:endParaRPr dirty="0"/>
+          </a:p>
+        </p:txBody>
+      </p:sp>
+      <p:pic>
+        <p:nvPicPr>
+          <p:cNvPr id="5" name="Grafik 4">
+            <a:extLst>
+              <a:ext uri="{FF2B5EF4-FFF2-40B4-BE49-F238E27FC236}">
+                <a16:creationId xmlns:a16="http://schemas.microsoft.com/office/drawing/2014/main" id="{4A5304A9-4B82-4BDA-FF6D-ADFDA43031D6}"/>
+              </a:ext>
+            </a:extLst>
+          </p:cNvPr>
+          <p:cNvPicPr>
+            <a:picLocks noChangeAspect="1"/>
+          </p:cNvPicPr>
+          <p:nvPr/>
+        </p:nvPicPr>
+        <p:blipFill>
+          <a:blip r:embed="rId3"/>
+          <a:stretch>
+            <a:fillRect/>
+          </a:stretch>
+        </p:blipFill>
+        <p:spPr>
+          <a:xfrm>
+            <a:off x="775527" y="1431994"/>
+            <a:ext cx="7605327" cy="3251486"/>
+          </a:xfrm>
+          <a:prstGeom prst="rect">
+            <a:avLst/>
+          </a:prstGeom>
+        </p:spPr>
+      </p:pic>
+    </p:spTree>
+    <p:extLst>
+      <p:ext uri="{BB962C8B-B14F-4D97-AF65-F5344CB8AC3E}">
+        <p14:creationId xmlns:p14="http://schemas.microsoft.com/office/powerpoint/2010/main" val="1632616854"/>
       </p:ext>
     </p:extLst>
   </p:cSld>
